--- a/Presentation/2uzuBook_0926.pptx
+++ b/Presentation/2uzuBook_0926.pptx
@@ -5,7 +5,7 @@
     <p:sldMasterId id="2147483648" r:id="rId1"/>
   </p:sldMasterIdLst>
   <p:notesMasterIdLst>
-    <p:notesMasterId r:id="rId10"/>
+    <p:notesMasterId r:id="rId12"/>
   </p:notesMasterIdLst>
   <p:sldIdLst>
     <p:sldId id="256" r:id="rId2"/>
@@ -13,9 +13,11 @@
     <p:sldId id="295" r:id="rId4"/>
     <p:sldId id="297" r:id="rId5"/>
     <p:sldId id="298" r:id="rId6"/>
-    <p:sldId id="299" r:id="rId7"/>
-    <p:sldId id="296" r:id="rId8"/>
-    <p:sldId id="294" r:id="rId9"/>
+    <p:sldId id="300" r:id="rId7"/>
+    <p:sldId id="301" r:id="rId8"/>
+    <p:sldId id="299" r:id="rId9"/>
+    <p:sldId id="296" r:id="rId10"/>
+    <p:sldId id="294" r:id="rId11"/>
   </p:sldIdLst>
   <p:sldSz cx="12192000" cy="6858000"/>
   <p:notesSz cx="6858000" cy="9144000"/>
@@ -133,6 +135,10 @@
 </p:presentation>
 </file>
 
+<file path=ppt/revisionInfo.xml><?xml version="1.0" encoding="utf-8"?>
+<p1510:revInfo xmlns:a="http://schemas.openxmlformats.org/drawingml/2006/main" xmlns:r="http://schemas.openxmlformats.org/officeDocument/2006/relationships" xmlns:p1510="http://schemas.microsoft.com/office/powerpoint/2015/10/main"/>
+</file>
+
 <file path=ppt/notesMasters/notesMaster1.xml><?xml version="1.0" encoding="utf-8"?>
 <p:notesMaster xmlns:a="http://schemas.openxmlformats.org/drawingml/2006/main" xmlns:r="http://schemas.openxmlformats.org/officeDocument/2006/relationships" xmlns:p="http://schemas.openxmlformats.org/presentationml/2006/main">
   <p:cSld>
@@ -215,7 +221,7 @@
           <a:p>
             <a:fld id="{804355DA-3640-4518-B87F-45455F76D2CC}" type="datetimeFigureOut">
               <a:rPr lang="ko-KR" altLang="en-US" smtClean="0"/>
-              <a:t>2017-09-26</a:t>
+              <a:t>2017-09-27</a:t>
             </a:fld>
             <a:endParaRPr lang="ko-KR" altLang="en-US"/>
           </a:p>
@@ -279,38 +285,37 @@
           <a:p>
             <a:pPr lvl="0"/>
             <a:r>
-              <a:rPr lang="ko-KR" altLang="en-US" smtClean="0"/>
+              <a:rPr lang="ko-KR" altLang="en-US"/>
               <a:t>마스터 텍스트 스타일 편집</a:t>
             </a:r>
           </a:p>
           <a:p>
             <a:pPr lvl="1"/>
             <a:r>
-              <a:rPr lang="ko-KR" altLang="en-US" smtClean="0"/>
+              <a:rPr lang="ko-KR" altLang="en-US"/>
               <a:t>둘째 수준</a:t>
             </a:r>
           </a:p>
           <a:p>
             <a:pPr lvl="2"/>
             <a:r>
-              <a:rPr lang="ko-KR" altLang="en-US" smtClean="0"/>
+              <a:rPr lang="ko-KR" altLang="en-US"/>
               <a:t>셋째 수준</a:t>
             </a:r>
           </a:p>
           <a:p>
             <a:pPr lvl="3"/>
             <a:r>
-              <a:rPr lang="ko-KR" altLang="en-US" smtClean="0"/>
+              <a:rPr lang="ko-KR" altLang="en-US"/>
               <a:t>넷째 수준</a:t>
             </a:r>
           </a:p>
           <a:p>
             <a:pPr lvl="4"/>
             <a:r>
-              <a:rPr lang="ko-KR" altLang="en-US" smtClean="0"/>
+              <a:rPr lang="ko-KR" altLang="en-US"/>
               <a:t>다섯째 수준</a:t>
             </a:r>
-            <a:endParaRPr lang="ko-KR" altLang="en-US"/>
           </a:p>
         </p:txBody>
       </p:sp>
@@ -528,7 +533,7 @@
           <a:lstStyle/>
           <a:p>
             <a:r>
-              <a:rPr lang="en-US" altLang="ko-KR" sz="1200" b="0" i="0" kern="1200" dirty="0" smtClean="0">
+              <a:rPr lang="en-US" altLang="ko-KR" sz="1200" b="0" i="0" kern="1200" dirty="0">
                 <a:solidFill>
                   <a:schemeClr val="tx1"/>
                 </a:solidFill>
@@ -540,7 +545,7 @@
               <a:t>1. </a:t>
             </a:r>
             <a:r>
-              <a:rPr lang="ko-KR" altLang="en-US" sz="1200" b="0" i="0" kern="1200" dirty="0" smtClean="0">
+              <a:rPr lang="ko-KR" altLang="en-US" sz="1200" b="0" i="0" kern="1200" dirty="0">
                 <a:solidFill>
                   <a:schemeClr val="tx1"/>
                 </a:solidFill>
@@ -552,7 +557,7 @@
               <a:t>안녕하세요 이번에 </a:t>
             </a:r>
             <a:r>
-              <a:rPr lang="en-US" altLang="ko-KR" sz="1200" b="0" i="0" kern="1200" dirty="0" smtClean="0">
+              <a:rPr lang="en-US" altLang="ko-KR" sz="1200" b="0" i="0" kern="1200" dirty="0">
                 <a:solidFill>
                   <a:schemeClr val="tx1"/>
                 </a:solidFill>
@@ -564,7 +569,7 @@
               <a:t>2uzubook </a:t>
             </a:r>
             <a:r>
-              <a:rPr lang="ko-KR" altLang="en-US" sz="1200" b="0" i="0" kern="1200" dirty="0" smtClean="0">
+              <a:rPr lang="ko-KR" altLang="en-US" sz="1200" b="0" i="0" kern="1200" dirty="0">
                 <a:solidFill>
                   <a:schemeClr val="tx1"/>
                 </a:solidFill>
@@ -576,7 +581,7 @@
               <a:t>개발 프로젝트를 맡은 박규리</a:t>
             </a:r>
             <a:r>
-              <a:rPr lang="en-US" altLang="ko-KR" sz="1200" b="0" i="0" kern="1200" dirty="0" smtClean="0">
+              <a:rPr lang="en-US" altLang="ko-KR" sz="1200" b="0" i="0" kern="1200" dirty="0">
                 <a:solidFill>
                   <a:schemeClr val="tx1"/>
                 </a:solidFill>
@@ -588,7 +593,7 @@
               <a:t>, </a:t>
             </a:r>
             <a:r>
-              <a:rPr lang="ko-KR" altLang="en-US" sz="1200" b="0" i="0" kern="1200" dirty="0" smtClean="0">
+              <a:rPr lang="ko-KR" altLang="en-US" sz="1200" b="0" i="0" kern="1200" dirty="0">
                 <a:solidFill>
                   <a:schemeClr val="tx1"/>
                 </a:solidFill>
@@ -600,7 +605,7 @@
               <a:t>김소연</a:t>
             </a:r>
             <a:r>
-              <a:rPr lang="en-US" altLang="ko-KR" sz="1200" b="0" i="0" kern="1200" dirty="0" smtClean="0">
+              <a:rPr lang="en-US" altLang="ko-KR" sz="1200" b="0" i="0" kern="1200" dirty="0">
                 <a:solidFill>
                   <a:schemeClr val="tx1"/>
                 </a:solidFill>
@@ -612,7 +617,7 @@
               <a:t>, </a:t>
             </a:r>
             <a:r>
-              <a:rPr lang="ko-KR" altLang="en-US" sz="1200" b="0" i="0" kern="1200" dirty="0" err="1" smtClean="0">
+              <a:rPr lang="ko-KR" altLang="en-US" sz="1200" b="0" i="0" kern="1200" dirty="0" err="1">
                 <a:solidFill>
                   <a:schemeClr val="tx1"/>
                 </a:solidFill>
@@ -624,7 +629,7 @@
               <a:t>윤정현</a:t>
             </a:r>
             <a:r>
-              <a:rPr lang="en-US" altLang="ko-KR" sz="1200" b="0" i="0" kern="1200" dirty="0" smtClean="0">
+              <a:rPr lang="en-US" altLang="ko-KR" sz="1200" b="0" i="0" kern="1200" dirty="0">
                 <a:solidFill>
                   <a:schemeClr val="tx1"/>
                 </a:solidFill>
@@ -636,7 +641,7 @@
               <a:t>, </a:t>
             </a:r>
             <a:r>
-              <a:rPr lang="ko-KR" altLang="en-US" sz="1200" b="0" i="0" kern="1200" dirty="0" err="1" smtClean="0">
+              <a:rPr lang="ko-KR" altLang="en-US" sz="1200" b="0" i="0" kern="1200" dirty="0" err="1">
                 <a:solidFill>
                   <a:schemeClr val="tx1"/>
                 </a:solidFill>
@@ -648,7 +653,7 @@
               <a:t>배용호</a:t>
             </a:r>
             <a:r>
-              <a:rPr lang="ko-KR" altLang="en-US" sz="1200" b="0" i="0" kern="1200" dirty="0" smtClean="0">
+              <a:rPr lang="ko-KR" altLang="en-US" sz="1200" b="0" i="0" kern="1200" dirty="0">
                 <a:solidFill>
                   <a:schemeClr val="tx1"/>
                 </a:solidFill>
@@ -744,7 +749,7 @@
           <a:lstStyle/>
           <a:p>
             <a:r>
-              <a:rPr lang="ko-KR" altLang="en-US" sz="1200" b="0" i="0" kern="1200" dirty="0" smtClean="0">
+              <a:rPr lang="ko-KR" altLang="en-US" sz="1200" b="0" i="0" kern="1200" dirty="0">
                 <a:solidFill>
                   <a:schemeClr val="tx1"/>
                 </a:solidFill>
@@ -755,7 +760,7 @@
               </a:rPr>
               <a:t>저번에 검사를 받았을 때 선생님께서 검색 기능을 다음 시간까지 짜오라고 하셨는데</a:t>
             </a:r>
-            <a:endParaRPr lang="en-US" altLang="ko-KR" sz="1200" b="0" i="0" kern="1200" dirty="0" smtClean="0">
+            <a:endParaRPr lang="en-US" altLang="ko-KR" sz="1200" b="0" i="0" kern="1200" dirty="0">
               <a:solidFill>
                 <a:schemeClr val="tx1"/>
               </a:solidFill>
@@ -766,59 +771,59 @@
             </a:endParaRPr>
           </a:p>
           <a:p>
-            <a:endParaRPr lang="en-US" altLang="ko-KR" dirty="0" smtClean="0"/>
-          </a:p>
-          <a:p>
-            <a:r>
-              <a:rPr lang="ko-KR" altLang="en-US" dirty="0" smtClean="0"/>
+            <a:endParaRPr lang="en-US" altLang="ko-KR" dirty="0"/>
+          </a:p>
+          <a:p>
+            <a:r>
+              <a:rPr lang="ko-KR" altLang="en-US" dirty="0"/>
               <a:t>막상 검색 기능을 실제로 구현하려고 했더니 </a:t>
             </a:r>
             <a:r>
-              <a:rPr lang="en-US" altLang="ko-KR" dirty="0" smtClean="0"/>
+              <a:rPr lang="en-US" altLang="ko-KR" dirty="0"/>
               <a:t>DB</a:t>
             </a:r>
             <a:r>
-              <a:rPr lang="ko-KR" altLang="en-US" dirty="0" smtClean="0"/>
+              <a:rPr lang="ko-KR" altLang="en-US" dirty="0"/>
               <a:t>구조</a:t>
             </a:r>
             <a:r>
-              <a:rPr lang="ko-KR" altLang="en-US" baseline="0" dirty="0" smtClean="0"/>
+              <a:rPr lang="ko-KR" altLang="en-US" baseline="0" dirty="0"/>
               <a:t>가 잘못되어 있었습니다</a:t>
             </a:r>
             <a:r>
-              <a:rPr lang="en-US" altLang="ko-KR" baseline="0" dirty="0" smtClean="0"/>
+              <a:rPr lang="en-US" altLang="ko-KR" baseline="0" dirty="0"/>
               <a:t>.</a:t>
             </a:r>
           </a:p>
           <a:p>
-            <a:endParaRPr lang="en-US" altLang="ko-KR" baseline="0" dirty="0" smtClean="0"/>
-          </a:p>
-          <a:p>
-            <a:r>
-              <a:rPr lang="ko-KR" altLang="en-US" baseline="0" dirty="0" smtClean="0"/>
+            <a:endParaRPr lang="en-US" altLang="ko-KR" baseline="0" dirty="0"/>
+          </a:p>
+          <a:p>
+            <a:r>
+              <a:rPr lang="ko-KR" altLang="en-US" baseline="0" dirty="0"/>
               <a:t>그래서 다시 </a:t>
             </a:r>
             <a:r>
-              <a:rPr lang="en-US" altLang="ko-KR" baseline="0" dirty="0" smtClean="0"/>
+              <a:rPr lang="en-US" altLang="ko-KR" baseline="0" dirty="0"/>
               <a:t>DB</a:t>
             </a:r>
             <a:r>
-              <a:rPr lang="ko-KR" altLang="en-US" baseline="0" dirty="0" smtClean="0"/>
+              <a:rPr lang="ko-KR" altLang="en-US" baseline="0" dirty="0"/>
               <a:t> 구조를 다시 생각하고 다시 수정을 했습니다</a:t>
             </a:r>
             <a:r>
-              <a:rPr lang="en-US" altLang="ko-KR" baseline="0" dirty="0" smtClean="0"/>
+              <a:rPr lang="en-US" altLang="ko-KR" baseline="0" dirty="0"/>
               <a:t>.</a:t>
             </a:r>
           </a:p>
           <a:p>
-            <a:endParaRPr lang="en-US" altLang="ko-KR" baseline="0" dirty="0" smtClean="0"/>
-          </a:p>
-          <a:p>
-            <a:endParaRPr lang="en-US" altLang="ko-KR" baseline="0" dirty="0" smtClean="0"/>
-          </a:p>
-          <a:p>
-            <a:endParaRPr lang="en-US" altLang="ko-KR" baseline="0" dirty="0" smtClean="0"/>
+            <a:endParaRPr lang="en-US" altLang="ko-KR" baseline="0" dirty="0"/>
+          </a:p>
+          <a:p>
+            <a:endParaRPr lang="en-US" altLang="ko-KR" baseline="0" dirty="0"/>
+          </a:p>
+          <a:p>
+            <a:endParaRPr lang="en-US" altLang="ko-KR" baseline="0" dirty="0"/>
           </a:p>
         </p:txBody>
       </p:sp>
@@ -1184,7 +1189,7 @@
     </p:spTree>
     <p:extLst>
       <p:ext uri="{BB962C8B-B14F-4D97-AF65-F5344CB8AC3E}">
-        <p14:creationId xmlns:p14="http://schemas.microsoft.com/office/powerpoint/2010/main" val="1939758311"/>
+        <p14:creationId xmlns:p14="http://schemas.microsoft.com/office/powerpoint/2010/main" val="1135207384"/>
       </p:ext>
     </p:extLst>
   </p:cSld>
@@ -1238,225 +1243,6 @@
           <a:bodyPr/>
           <a:lstStyle/>
           <a:p>
-            <a:r>
-              <a:rPr lang="ko-KR" altLang="en-US" baseline="0" dirty="0" smtClean="0"/>
-              <a:t>원래 저희의 로그인 창 입니다</a:t>
-            </a:r>
-            <a:r>
-              <a:rPr lang="en-US" altLang="ko-KR" baseline="0" dirty="0" smtClean="0"/>
-              <a:t>. </a:t>
-            </a:r>
-            <a:r>
-              <a:rPr lang="ko-KR" altLang="en-US" baseline="0" dirty="0" smtClean="0"/>
-              <a:t>정말 보시다시피 로그인 하기 싫은 디자인과 전혀 </a:t>
-            </a:r>
-            <a:r>
-              <a:rPr lang="ko-KR" altLang="en-US" baseline="0" dirty="0" err="1" smtClean="0"/>
-              <a:t>쌩뚱맞은</a:t>
-            </a:r>
-            <a:r>
-              <a:rPr lang="ko-KR" altLang="en-US" baseline="0" dirty="0" smtClean="0"/>
-              <a:t> 글씨체</a:t>
-            </a:r>
-            <a:r>
-              <a:rPr lang="en-US" altLang="ko-KR" baseline="0" dirty="0" smtClean="0"/>
-              <a:t>, </a:t>
-            </a:r>
-            <a:r>
-              <a:rPr lang="ko-KR" altLang="en-US" baseline="0" dirty="0" smtClean="0"/>
-              <a:t>텍스트 박스 하하</a:t>
-            </a:r>
-            <a:r>
-              <a:rPr lang="en-US" altLang="ko-KR" baseline="0" dirty="0" smtClean="0"/>
-              <a:t>…. </a:t>
-            </a:r>
-            <a:r>
-              <a:rPr lang="ko-KR" altLang="en-US" baseline="0" dirty="0" smtClean="0"/>
-              <a:t>이런 로그인 페이지 처럼</a:t>
-            </a:r>
-            <a:r>
-              <a:rPr lang="en-US" altLang="ko-KR" baseline="0" dirty="0" smtClean="0"/>
-              <a:t>, </a:t>
-            </a:r>
-            <a:r>
-              <a:rPr lang="ko-KR" altLang="en-US" baseline="0" dirty="0" smtClean="0"/>
-              <a:t>회원가입</a:t>
-            </a:r>
-            <a:r>
-              <a:rPr lang="en-US" altLang="ko-KR" baseline="0" dirty="0" smtClean="0"/>
-              <a:t>, </a:t>
-            </a:r>
-            <a:r>
-              <a:rPr lang="ko-KR" altLang="en-US" baseline="0" dirty="0" smtClean="0"/>
-              <a:t>검색 페이지 모든 페이지들이 많이 </a:t>
-            </a:r>
-            <a:r>
-              <a:rPr lang="ko-KR" altLang="en-US" baseline="0" dirty="0" err="1" smtClean="0"/>
-              <a:t>후질근</a:t>
-            </a:r>
-            <a:r>
-              <a:rPr lang="ko-KR" altLang="en-US" baseline="0" dirty="0" smtClean="0"/>
-              <a:t> 했습니다</a:t>
-            </a:r>
-            <a:r>
-              <a:rPr lang="en-US" altLang="ko-KR" baseline="0" dirty="0" smtClean="0"/>
-              <a:t>.</a:t>
-            </a:r>
-          </a:p>
-          <a:p>
-            <a:endParaRPr lang="en-US" altLang="ko-KR" baseline="0" dirty="0" smtClean="0"/>
-          </a:p>
-          <a:p>
-            <a:r>
-              <a:rPr lang="ko-KR" altLang="en-US" baseline="0" dirty="0" smtClean="0"/>
-              <a:t>그래서 다음과 같이 로그인 페이지를 다시 짰습니다</a:t>
-            </a:r>
-            <a:r>
-              <a:rPr lang="en-US" altLang="ko-KR" baseline="0" dirty="0" smtClean="0"/>
-              <a:t>.</a:t>
-            </a:r>
-          </a:p>
-          <a:p>
-            <a:endParaRPr lang="en-US" altLang="ko-KR" baseline="0" dirty="0" smtClean="0"/>
-          </a:p>
-          <a:p>
-            <a:r>
-              <a:rPr lang="ko-KR" altLang="en-US" baseline="0" dirty="0" smtClean="0"/>
-              <a:t>이 페이지는 전에 저희의 </a:t>
-            </a:r>
-            <a:r>
-              <a:rPr lang="ko-KR" altLang="en-US" baseline="0" dirty="0" err="1" smtClean="0"/>
-              <a:t>레주메</a:t>
-            </a:r>
-            <a:r>
-              <a:rPr lang="ko-KR" altLang="en-US" baseline="0" dirty="0" smtClean="0"/>
-              <a:t> 보기 페이지 인데</a:t>
-            </a:r>
-            <a:r>
-              <a:rPr lang="en-US" altLang="ko-KR" baseline="0" dirty="0" smtClean="0"/>
-              <a:t>, </a:t>
-            </a:r>
-            <a:r>
-              <a:rPr lang="ko-KR" altLang="en-US" baseline="0" dirty="0" smtClean="0"/>
-              <a:t>이 버튼들을 </a:t>
-            </a:r>
-            <a:r>
-              <a:rPr lang="ko-KR" altLang="en-US" baseline="0" dirty="0" err="1" smtClean="0"/>
-              <a:t>눌러야지</a:t>
-            </a:r>
-            <a:r>
-              <a:rPr lang="ko-KR" altLang="en-US" baseline="0" dirty="0" smtClean="0"/>
-              <a:t> </a:t>
-            </a:r>
-            <a:r>
-              <a:rPr lang="ko-KR" altLang="en-US" baseline="0" dirty="0" err="1" smtClean="0"/>
-              <a:t>레주메를</a:t>
-            </a:r>
-            <a:r>
-              <a:rPr lang="ko-KR" altLang="en-US" baseline="0" dirty="0" smtClean="0"/>
-              <a:t> 볼 수 있었습니다</a:t>
-            </a:r>
-            <a:r>
-              <a:rPr lang="en-US" altLang="ko-KR" baseline="0" dirty="0" smtClean="0"/>
-              <a:t>.  </a:t>
-            </a:r>
-            <a:r>
-              <a:rPr lang="ko-KR" altLang="en-US" baseline="0" dirty="0" smtClean="0"/>
-              <a:t>많은 친구들 한테 보여줬더니 불편하다는 이야기가 많아서 </a:t>
-            </a:r>
-            <a:r>
-              <a:rPr lang="ko-KR" altLang="en-US" baseline="0" dirty="0" err="1" smtClean="0"/>
-              <a:t>레주메를</a:t>
-            </a:r>
-            <a:r>
-              <a:rPr lang="ko-KR" altLang="en-US" baseline="0" dirty="0" smtClean="0"/>
-              <a:t> 보여주는 페이지도</a:t>
-            </a:r>
-            <a:r>
-              <a:rPr lang="en-US" altLang="ko-KR" baseline="0" dirty="0" smtClean="0"/>
-              <a:t> main </a:t>
-            </a:r>
-            <a:r>
-              <a:rPr lang="ko-KR" altLang="en-US" baseline="0" dirty="0" smtClean="0"/>
-              <a:t>페이지와 </a:t>
-            </a:r>
-            <a:r>
-              <a:rPr lang="ko-KR" altLang="en-US" baseline="0" dirty="0" err="1" smtClean="0"/>
-              <a:t>통일성있게</a:t>
-            </a:r>
-            <a:r>
-              <a:rPr lang="ko-KR" altLang="en-US" baseline="0" dirty="0" smtClean="0"/>
-              <a:t> 다시 싹 바꿨습니다</a:t>
-            </a:r>
-            <a:r>
-              <a:rPr lang="en-US" altLang="ko-KR" baseline="0" dirty="0" smtClean="0"/>
-              <a:t>.</a:t>
-            </a:r>
-          </a:p>
-          <a:p>
-            <a:endParaRPr lang="en-US" altLang="ko-KR" baseline="0" dirty="0" smtClean="0"/>
-          </a:p>
-          <a:p>
-            <a:endParaRPr lang="en-US" altLang="ko-KR" baseline="0" dirty="0" smtClean="0"/>
-          </a:p>
-          <a:p>
-            <a:r>
-              <a:rPr lang="ko-KR" altLang="en-US" baseline="0" dirty="0" smtClean="0"/>
-              <a:t>이와 같이 프론트와 </a:t>
-            </a:r>
-            <a:r>
-              <a:rPr lang="en-US" altLang="ko-KR" baseline="0" dirty="0" err="1" smtClean="0"/>
-              <a:t>db</a:t>
-            </a:r>
-            <a:r>
-              <a:rPr lang="ko-KR" altLang="en-US" baseline="0" dirty="0" smtClean="0"/>
-              <a:t>의 급격한 변화로 연동 작업을 다시 늦게 시작하는 바람에</a:t>
-            </a:r>
-            <a:r>
-              <a:rPr lang="en-US" altLang="ko-KR" baseline="0" dirty="0" smtClean="0"/>
-              <a:t>, </a:t>
-            </a:r>
-            <a:r>
-              <a:rPr lang="ko-KR" altLang="en-US" baseline="0" dirty="0" smtClean="0"/>
-              <a:t>저번에 선생님께 </a:t>
-            </a:r>
-            <a:r>
-              <a:rPr lang="ko-KR" altLang="en-US" baseline="0" dirty="0" err="1" smtClean="0"/>
-              <a:t>검사받을때</a:t>
-            </a:r>
-            <a:r>
-              <a:rPr lang="ko-KR" altLang="en-US" baseline="0" dirty="0" smtClean="0"/>
-              <a:t> 보여줬던 것과는 기능면에서 별로 구현된 것이 없습니다</a:t>
-            </a:r>
-            <a:r>
-              <a:rPr lang="en-US" altLang="ko-KR" baseline="0" dirty="0" smtClean="0"/>
-              <a:t>.</a:t>
-            </a:r>
-          </a:p>
-          <a:p>
-            <a:endParaRPr lang="en-US" altLang="ko-KR" baseline="0" dirty="0" smtClean="0"/>
-          </a:p>
-          <a:p>
-            <a:r>
-              <a:rPr lang="ko-KR" altLang="en-US" baseline="0" dirty="0" smtClean="0"/>
-              <a:t>하지만 </a:t>
-            </a:r>
-            <a:r>
-              <a:rPr lang="ko-KR" altLang="en-US" baseline="0" dirty="0" smtClean="0"/>
-              <a:t>앞으로 기능을 구현하는데 문제가 없도록  방금 보여줬던 것과 같이 프론트를 모두 고쳤고 </a:t>
-            </a:r>
-            <a:r>
-              <a:rPr lang="en-US" altLang="ko-KR" baseline="0" dirty="0" smtClean="0"/>
-              <a:t>DB</a:t>
-            </a:r>
-            <a:r>
-              <a:rPr lang="ko-KR" altLang="en-US" baseline="0" dirty="0" smtClean="0"/>
-              <a:t>를 수정하였습니다</a:t>
-            </a:r>
-            <a:r>
-              <a:rPr lang="en-US" altLang="ko-KR" baseline="0" dirty="0" smtClean="0"/>
-              <a:t>.</a:t>
-            </a:r>
             <a:endParaRPr lang="ko-KR" altLang="en-US" dirty="0"/>
           </a:p>
         </p:txBody>
@@ -1479,6 +1265,389 @@
             <a:fld id="{EEF45E8E-B871-465E-A211-1FB7C7D4BEA7}" type="slidenum">
               <a:rPr lang="ko-KR" altLang="en-US" smtClean="0"/>
               <a:t>7</a:t>
+            </a:fld>
+            <a:endParaRPr lang="ko-KR" altLang="en-US"/>
+          </a:p>
+        </p:txBody>
+      </p:sp>
+    </p:spTree>
+    <p:extLst>
+      <p:ext uri="{BB962C8B-B14F-4D97-AF65-F5344CB8AC3E}">
+        <p14:creationId xmlns:p14="http://schemas.microsoft.com/office/powerpoint/2010/main" val="1077998805"/>
+      </p:ext>
+    </p:extLst>
+  </p:cSld>
+  <p:clrMapOvr>
+    <a:masterClrMapping/>
+  </p:clrMapOvr>
+</p:notes>
+</file>
+
+<file path=ppt/notesSlides/notesSlide8.xml><?xml version="1.0" encoding="utf-8"?>
+<p:notes xmlns:a="http://schemas.openxmlformats.org/drawingml/2006/main" xmlns:r="http://schemas.openxmlformats.org/officeDocument/2006/relationships" xmlns:p="http://schemas.openxmlformats.org/presentationml/2006/main">
+  <p:cSld>
+    <p:spTree>
+      <p:nvGrpSpPr>
+        <p:cNvPr id="1" name=""/>
+        <p:cNvGrpSpPr/>
+        <p:nvPr/>
+      </p:nvGrpSpPr>
+      <p:grpSpPr>
+        <a:xfrm>
+          <a:off x="0" y="0"/>
+          <a:ext cx="0" cy="0"/>
+          <a:chOff x="0" y="0"/>
+          <a:chExt cx="0" cy="0"/>
+        </a:xfrm>
+      </p:grpSpPr>
+      <p:sp>
+        <p:nvSpPr>
+          <p:cNvPr id="2" name="슬라이드 이미지 개체 틀 1"/>
+          <p:cNvSpPr>
+            <a:spLocks noGrp="1" noRot="1" noChangeAspect="1"/>
+          </p:cNvSpPr>
+          <p:nvPr>
+            <p:ph type="sldImg"/>
+          </p:nvPr>
+        </p:nvSpPr>
+        <p:spPr/>
+      </p:sp>
+      <p:sp>
+        <p:nvSpPr>
+          <p:cNvPr id="3" name="슬라이드 노트 개체 틀 2"/>
+          <p:cNvSpPr>
+            <a:spLocks noGrp="1"/>
+          </p:cNvSpPr>
+          <p:nvPr>
+            <p:ph type="body" idx="1"/>
+          </p:nvPr>
+        </p:nvSpPr>
+        <p:spPr/>
+        <p:txBody>
+          <a:bodyPr/>
+          <a:lstStyle/>
+          <a:p>
+            <a:endParaRPr lang="ko-KR" altLang="en-US" dirty="0"/>
+          </a:p>
+        </p:txBody>
+      </p:sp>
+      <p:sp>
+        <p:nvSpPr>
+          <p:cNvPr id="4" name="슬라이드 번호 개체 틀 3"/>
+          <p:cNvSpPr>
+            <a:spLocks noGrp="1"/>
+          </p:cNvSpPr>
+          <p:nvPr>
+            <p:ph type="sldNum" sz="quarter" idx="10"/>
+          </p:nvPr>
+        </p:nvSpPr>
+        <p:spPr/>
+        <p:txBody>
+          <a:bodyPr/>
+          <a:lstStyle/>
+          <a:p>
+            <a:fld id="{EEF45E8E-B871-465E-A211-1FB7C7D4BEA7}" type="slidenum">
+              <a:rPr lang="ko-KR" altLang="en-US" smtClean="0"/>
+              <a:t>8</a:t>
+            </a:fld>
+            <a:endParaRPr lang="ko-KR" altLang="en-US"/>
+          </a:p>
+        </p:txBody>
+      </p:sp>
+    </p:spTree>
+    <p:extLst>
+      <p:ext uri="{BB962C8B-B14F-4D97-AF65-F5344CB8AC3E}">
+        <p14:creationId xmlns:p14="http://schemas.microsoft.com/office/powerpoint/2010/main" val="2820479616"/>
+      </p:ext>
+    </p:extLst>
+  </p:cSld>
+  <p:clrMapOvr>
+    <a:masterClrMapping/>
+  </p:clrMapOvr>
+</p:notes>
+</file>
+
+<file path=ppt/notesSlides/notesSlide9.xml><?xml version="1.0" encoding="utf-8"?>
+<p:notes xmlns:a="http://schemas.openxmlformats.org/drawingml/2006/main" xmlns:r="http://schemas.openxmlformats.org/officeDocument/2006/relationships" xmlns:p="http://schemas.openxmlformats.org/presentationml/2006/main">
+  <p:cSld>
+    <p:spTree>
+      <p:nvGrpSpPr>
+        <p:cNvPr id="1" name=""/>
+        <p:cNvGrpSpPr/>
+        <p:nvPr/>
+      </p:nvGrpSpPr>
+      <p:grpSpPr>
+        <a:xfrm>
+          <a:off x="0" y="0"/>
+          <a:ext cx="0" cy="0"/>
+          <a:chOff x="0" y="0"/>
+          <a:chExt cx="0" cy="0"/>
+        </a:xfrm>
+      </p:grpSpPr>
+      <p:sp>
+        <p:nvSpPr>
+          <p:cNvPr id="2" name="슬라이드 이미지 개체 틀 1"/>
+          <p:cNvSpPr>
+            <a:spLocks noGrp="1" noRot="1" noChangeAspect="1"/>
+          </p:cNvSpPr>
+          <p:nvPr>
+            <p:ph type="sldImg"/>
+          </p:nvPr>
+        </p:nvSpPr>
+        <p:spPr/>
+      </p:sp>
+      <p:sp>
+        <p:nvSpPr>
+          <p:cNvPr id="3" name="슬라이드 노트 개체 틀 2"/>
+          <p:cNvSpPr>
+            <a:spLocks noGrp="1"/>
+          </p:cNvSpPr>
+          <p:nvPr>
+            <p:ph type="body" idx="1"/>
+          </p:nvPr>
+        </p:nvSpPr>
+        <p:spPr/>
+        <p:txBody>
+          <a:bodyPr/>
+          <a:lstStyle/>
+          <a:p>
+            <a:r>
+              <a:rPr lang="ko-KR" altLang="en-US" baseline="0" dirty="0"/>
+              <a:t>원래 저희의 로그인 창 입니다</a:t>
+            </a:r>
+            <a:r>
+              <a:rPr lang="en-US" altLang="ko-KR" baseline="0" dirty="0"/>
+              <a:t>. </a:t>
+            </a:r>
+            <a:r>
+              <a:rPr lang="ko-KR" altLang="en-US" baseline="0" dirty="0"/>
+              <a:t>정말 보시다시피 로그인 하기 싫은 디자인과 전혀 </a:t>
+            </a:r>
+            <a:r>
+              <a:rPr lang="ko-KR" altLang="en-US" baseline="0" dirty="0" err="1"/>
+              <a:t>쌩뚱맞은</a:t>
+            </a:r>
+            <a:r>
+              <a:rPr lang="ko-KR" altLang="en-US" baseline="0" dirty="0"/>
+              <a:t> 글씨체</a:t>
+            </a:r>
+            <a:r>
+              <a:rPr lang="en-US" altLang="ko-KR" baseline="0" dirty="0"/>
+              <a:t>, </a:t>
+            </a:r>
+            <a:r>
+              <a:rPr lang="ko-KR" altLang="en-US" baseline="0" dirty="0"/>
+              <a:t>텍스트 박스 하하</a:t>
+            </a:r>
+            <a:r>
+              <a:rPr lang="en-US" altLang="ko-KR" baseline="0" dirty="0"/>
+              <a:t>…. </a:t>
+            </a:r>
+            <a:r>
+              <a:rPr lang="ko-KR" altLang="en-US" baseline="0" dirty="0"/>
+              <a:t>이런 로그인 페이지 처럼</a:t>
+            </a:r>
+            <a:r>
+              <a:rPr lang="en-US" altLang="ko-KR" baseline="0" dirty="0"/>
+              <a:t>, </a:t>
+            </a:r>
+            <a:r>
+              <a:rPr lang="ko-KR" altLang="en-US" baseline="0" dirty="0"/>
+              <a:t>회원가입</a:t>
+            </a:r>
+            <a:r>
+              <a:rPr lang="en-US" altLang="ko-KR" baseline="0" dirty="0"/>
+              <a:t>, </a:t>
+            </a:r>
+            <a:r>
+              <a:rPr lang="ko-KR" altLang="en-US" baseline="0" dirty="0"/>
+              <a:t>검색 페이지 모든 페이지들이 많이 </a:t>
+            </a:r>
+            <a:r>
+              <a:rPr lang="ko-KR" altLang="en-US" baseline="0" dirty="0" err="1"/>
+              <a:t>후질근</a:t>
+            </a:r>
+            <a:r>
+              <a:rPr lang="ko-KR" altLang="en-US" baseline="0" dirty="0"/>
+              <a:t> 했습니다</a:t>
+            </a:r>
+            <a:r>
+              <a:rPr lang="en-US" altLang="ko-KR" baseline="0" dirty="0"/>
+              <a:t>.</a:t>
+            </a:r>
+          </a:p>
+          <a:p>
+            <a:endParaRPr lang="en-US" altLang="ko-KR" baseline="0" dirty="0"/>
+          </a:p>
+          <a:p>
+            <a:r>
+              <a:rPr lang="ko-KR" altLang="en-US" baseline="0" dirty="0"/>
+              <a:t>그래서 다음과 같이 로그인 페이지를 다시 짰습니다</a:t>
+            </a:r>
+            <a:r>
+              <a:rPr lang="en-US" altLang="ko-KR" baseline="0" dirty="0"/>
+              <a:t>.</a:t>
+            </a:r>
+          </a:p>
+          <a:p>
+            <a:endParaRPr lang="en-US" altLang="ko-KR" baseline="0" dirty="0"/>
+          </a:p>
+          <a:p>
+            <a:r>
+              <a:rPr lang="ko-KR" altLang="en-US" baseline="0" dirty="0"/>
+              <a:t>이 페이지는 전에 저희의 </a:t>
+            </a:r>
+            <a:r>
+              <a:rPr lang="ko-KR" altLang="en-US" baseline="0" dirty="0" err="1"/>
+              <a:t>레주메</a:t>
+            </a:r>
+            <a:r>
+              <a:rPr lang="ko-KR" altLang="en-US" baseline="0" dirty="0"/>
+              <a:t> 보기 페이지 인데</a:t>
+            </a:r>
+            <a:r>
+              <a:rPr lang="en-US" altLang="ko-KR" baseline="0" dirty="0"/>
+              <a:t>, </a:t>
+            </a:r>
+            <a:r>
+              <a:rPr lang="ko-KR" altLang="en-US" baseline="0" dirty="0"/>
+              <a:t>이 버튼들을 </a:t>
+            </a:r>
+            <a:r>
+              <a:rPr lang="ko-KR" altLang="en-US" baseline="0" dirty="0" err="1"/>
+              <a:t>눌러야지</a:t>
+            </a:r>
+            <a:r>
+              <a:rPr lang="ko-KR" altLang="en-US" baseline="0" dirty="0"/>
+              <a:t> </a:t>
+            </a:r>
+            <a:r>
+              <a:rPr lang="ko-KR" altLang="en-US" baseline="0" dirty="0" err="1"/>
+              <a:t>레주메를</a:t>
+            </a:r>
+            <a:r>
+              <a:rPr lang="ko-KR" altLang="en-US" baseline="0" dirty="0"/>
+              <a:t> 볼 수 있었습니다</a:t>
+            </a:r>
+            <a:r>
+              <a:rPr lang="en-US" altLang="ko-KR" baseline="0" dirty="0"/>
+              <a:t>.  </a:t>
+            </a:r>
+            <a:r>
+              <a:rPr lang="ko-KR" altLang="en-US" baseline="0" dirty="0"/>
+              <a:t>많은 친구들 한테 보여줬더니 불편하다는 이야기가 많아서 </a:t>
+            </a:r>
+            <a:r>
+              <a:rPr lang="ko-KR" altLang="en-US" baseline="0" dirty="0" err="1"/>
+              <a:t>레주메를</a:t>
+            </a:r>
+            <a:r>
+              <a:rPr lang="ko-KR" altLang="en-US" baseline="0" dirty="0"/>
+              <a:t> 보여주는 페이지도</a:t>
+            </a:r>
+            <a:r>
+              <a:rPr lang="en-US" altLang="ko-KR" baseline="0" dirty="0"/>
+              <a:t> main </a:t>
+            </a:r>
+            <a:r>
+              <a:rPr lang="ko-KR" altLang="en-US" baseline="0" dirty="0"/>
+              <a:t>페이지와 </a:t>
+            </a:r>
+            <a:r>
+              <a:rPr lang="ko-KR" altLang="en-US" baseline="0" dirty="0" err="1"/>
+              <a:t>통일성있게</a:t>
+            </a:r>
+            <a:r>
+              <a:rPr lang="ko-KR" altLang="en-US" baseline="0" dirty="0"/>
+              <a:t> 다시 싹 바꿨습니다</a:t>
+            </a:r>
+            <a:r>
+              <a:rPr lang="en-US" altLang="ko-KR" baseline="0" dirty="0"/>
+              <a:t>.</a:t>
+            </a:r>
+          </a:p>
+          <a:p>
+            <a:endParaRPr lang="en-US" altLang="ko-KR" baseline="0" dirty="0"/>
+          </a:p>
+          <a:p>
+            <a:endParaRPr lang="en-US" altLang="ko-KR" baseline="0" dirty="0"/>
+          </a:p>
+          <a:p>
+            <a:r>
+              <a:rPr lang="ko-KR" altLang="en-US" baseline="0" dirty="0"/>
+              <a:t>이와 같이 프론트와 </a:t>
+            </a:r>
+            <a:r>
+              <a:rPr lang="en-US" altLang="ko-KR" baseline="0" dirty="0" err="1"/>
+              <a:t>db</a:t>
+            </a:r>
+            <a:r>
+              <a:rPr lang="ko-KR" altLang="en-US" baseline="0" dirty="0"/>
+              <a:t>의 급격한 변화로 연동 작업을 다시 늦게 시작하는 바람에</a:t>
+            </a:r>
+            <a:r>
+              <a:rPr lang="en-US" altLang="ko-KR" baseline="0" dirty="0"/>
+              <a:t>, </a:t>
+            </a:r>
+            <a:r>
+              <a:rPr lang="ko-KR" altLang="en-US" baseline="0" dirty="0"/>
+              <a:t>저번에 선생님께 </a:t>
+            </a:r>
+            <a:r>
+              <a:rPr lang="ko-KR" altLang="en-US" baseline="0" dirty="0" err="1"/>
+              <a:t>검사받을때</a:t>
+            </a:r>
+            <a:r>
+              <a:rPr lang="ko-KR" altLang="en-US" baseline="0" dirty="0"/>
+              <a:t> 보여줬던 것과는 기능면에서 별로 구현된 것이 없습니다</a:t>
+            </a:r>
+            <a:r>
+              <a:rPr lang="en-US" altLang="ko-KR" baseline="0" dirty="0"/>
+              <a:t>.</a:t>
+            </a:r>
+          </a:p>
+          <a:p>
+            <a:endParaRPr lang="en-US" altLang="ko-KR" baseline="0" dirty="0"/>
+          </a:p>
+          <a:p>
+            <a:r>
+              <a:rPr lang="ko-KR" altLang="en-US" baseline="0" dirty="0"/>
+              <a:t>하지만 앞으로 기능을 구현하는데 문제가 없도록  방금 보여줬던 것과 같이 프론트를 모두 고쳤고 </a:t>
+            </a:r>
+            <a:r>
+              <a:rPr lang="en-US" altLang="ko-KR" baseline="0" dirty="0"/>
+              <a:t>DB</a:t>
+            </a:r>
+            <a:r>
+              <a:rPr lang="ko-KR" altLang="en-US" baseline="0" dirty="0"/>
+              <a:t>를 수정하였습니다</a:t>
+            </a:r>
+            <a:r>
+              <a:rPr lang="en-US" altLang="ko-KR" baseline="0" dirty="0"/>
+              <a:t>.</a:t>
+            </a:r>
+            <a:endParaRPr lang="ko-KR" altLang="en-US" dirty="0"/>
+          </a:p>
+        </p:txBody>
+      </p:sp>
+      <p:sp>
+        <p:nvSpPr>
+          <p:cNvPr id="4" name="슬라이드 번호 개체 틀 3"/>
+          <p:cNvSpPr>
+            <a:spLocks noGrp="1"/>
+          </p:cNvSpPr>
+          <p:nvPr>
+            <p:ph type="sldNum" sz="quarter" idx="10"/>
+          </p:nvPr>
+        </p:nvSpPr>
+        <p:spPr/>
+        <p:txBody>
+          <a:bodyPr/>
+          <a:lstStyle/>
+          <a:p>
+            <a:fld id="{EEF45E8E-B871-465E-A211-1FB7C7D4BEA7}" type="slidenum">
+              <a:rPr lang="ko-KR" altLang="en-US" smtClean="0"/>
+              <a:t>9</a:t>
             </a:fld>
             <a:endParaRPr lang="ko-KR" altLang="en-US"/>
           </a:p>
@@ -1553,7 +1722,7 @@
           <a:p>
             <a:fld id="{D8679A82-9205-4C4E-AE76-DC9B8C3BC3DB}" type="datetimeFigureOut">
               <a:rPr lang="ko-KR" altLang="en-US" smtClean="0"/>
-              <a:t>2017-09-26</a:t>
+              <a:t>2017-09-27</a:t>
             </a:fld>
             <a:endParaRPr lang="ko-KR" altLang="en-US"/>
           </a:p>
@@ -1773,7 +1942,7 @@
           <a:p>
             <a:fld id="{D8679A82-9205-4C4E-AE76-DC9B8C3BC3DB}" type="datetimeFigureOut">
               <a:rPr lang="ko-KR" altLang="en-US" smtClean="0"/>
-              <a:t>2017-09-26</a:t>
+              <a:t>2017-09-27</a:t>
             </a:fld>
             <a:endParaRPr lang="ko-KR" altLang="en-US"/>
           </a:p>
@@ -2523,13 +2692,77 @@
   <p:clrMapOvr>
     <a:masterClrMapping/>
   </p:clrMapOvr>
-  <p:timing>
-    <p:tnLst>
-      <p:par>
-        <p:cTn id="1" dur="indefinite" restart="never" nodeType="tmRoot"/>
-      </p:par>
-    </p:tnLst>
-  </p:timing>
+</p:sld>
+</file>
+
+<file path=ppt/slides/slide10.xml><?xml version="1.0" encoding="utf-8"?>
+<p:sld xmlns:a="http://schemas.openxmlformats.org/drawingml/2006/main" xmlns:r="http://schemas.openxmlformats.org/officeDocument/2006/relationships" xmlns:p="http://schemas.openxmlformats.org/presentationml/2006/main">
+  <p:cSld>
+    <p:spTree>
+      <p:nvGrpSpPr>
+        <p:cNvPr id="1" name=""/>
+        <p:cNvGrpSpPr/>
+        <p:nvPr/>
+      </p:nvGrpSpPr>
+      <p:grpSpPr>
+        <a:xfrm>
+          <a:off x="0" y="0"/>
+          <a:ext cx="0" cy="0"/>
+          <a:chOff x="0" y="0"/>
+          <a:chExt cx="0" cy="0"/>
+        </a:xfrm>
+      </p:grpSpPr>
+      <p:sp>
+        <p:nvSpPr>
+          <p:cNvPr id="2" name="제목 1" hidden="1"/>
+          <p:cNvSpPr>
+            <a:spLocks noGrp="1"/>
+          </p:cNvSpPr>
+          <p:nvPr>
+            <p:ph type="title"/>
+          </p:nvPr>
+        </p:nvSpPr>
+        <p:spPr/>
+        <p:txBody>
+          <a:bodyPr/>
+          <a:lstStyle/>
+          <a:p>
+            <a:endParaRPr lang="ko-KR" altLang="en-US"/>
+          </a:p>
+        </p:txBody>
+      </p:sp>
+      <p:pic>
+        <p:nvPicPr>
+          <p:cNvPr id="3" name="그림 2"/>
+          <p:cNvPicPr/>
+          <p:nvPr/>
+        </p:nvPicPr>
+        <p:blipFill>
+          <a:blip r:embed="rId2"/>
+          <a:stretch>
+            <a:fillRect/>
+          </a:stretch>
+        </p:blipFill>
+        <p:spPr>
+          <a:xfrm>
+            <a:off x="0" y="0"/>
+            <a:ext cx="12192000" cy="6858000"/>
+          </a:xfrm>
+          <a:prstGeom prst="rect">
+            <a:avLst/>
+          </a:prstGeom>
+        </p:spPr>
+      </p:pic>
+    </p:spTree>
+    <p:extLst>
+      <p:ext uri="{BB962C8B-B14F-4D97-AF65-F5344CB8AC3E}">
+        <p14:creationId xmlns:p14="http://schemas.microsoft.com/office/powerpoint/2010/main" val="315249219"/>
+      </p:ext>
+    </p:extLst>
+  </p:cSld>
+  <p:clrMapOvr>
+    <a:masterClrMapping/>
+  </p:clrMapOvr>
 </p:sld>
 </file>
 
@@ -2566,7 +2799,7 @@
           <a:lstStyle/>
           <a:p>
             <a:r>
-              <a:rPr lang="en-US" altLang="ko-KR" dirty="0" smtClean="0"/>
+              <a:rPr lang="en-US" altLang="ko-KR" dirty="0"/>
               <a:t>5</a:t>
             </a:r>
             <a:endParaRPr lang="ko-KR" altLang="en-US" dirty="0"/>
@@ -2797,16 +3030,12 @@
           </a:p>
           <a:p>
             <a:r>
-              <a:rPr lang="ko-KR" altLang="en-US" sz="2400" dirty="0" smtClean="0">
+              <a:rPr lang="ko-KR" altLang="en-US" sz="2400" dirty="0">
                 <a:latin typeface="Noto Sans CJK KR Medium" panose="020B0600000000000000" pitchFamily="34" charset="-127"/>
                 <a:ea typeface="Noto Sans CJK KR Medium" panose="020B0600000000000000" pitchFamily="34" charset="-127"/>
               </a:rPr>
               <a:t>진행 </a:t>
             </a:r>
-            <a:endParaRPr lang="ko-KR" altLang="en-US" sz="2400" dirty="0">
-              <a:latin typeface="Noto Sans CJK KR Medium" panose="020B0600000000000000" pitchFamily="34" charset="-127"/>
-              <a:ea typeface="Noto Sans CJK KR Medium" panose="020B0600000000000000" pitchFamily="34" charset="-127"/>
-            </a:endParaRPr>
           </a:p>
         </p:txBody>
       </p:sp>
@@ -2855,7 +3084,7 @@
           </a:lstStyle>
           <a:p>
             <a:r>
-              <a:rPr lang="ko-KR" altLang="en-US" sz="1800" dirty="0" smtClean="0">
+              <a:rPr lang="ko-KR" altLang="en-US" sz="1800" dirty="0">
                 <a:solidFill>
                   <a:schemeClr val="bg1">
                     <a:lumMod val="75000"/>
@@ -2864,13 +3093,6 @@
               </a:rPr>
               <a:t>처음부터 잘못된 계획과 설계</a:t>
             </a:r>
-            <a:endParaRPr lang="ko-KR" altLang="en-US" sz="1800" dirty="0">
-              <a:solidFill>
-                <a:schemeClr val="bg1">
-                  <a:lumMod val="75000"/>
-                </a:schemeClr>
-              </a:solidFill>
-            </a:endParaRPr>
           </a:p>
         </p:txBody>
       </p:sp>
@@ -2915,24 +3137,7 @@
                 <a:latin typeface="Noto Sans CJK KR Medium" panose="020B0600000000000000" pitchFamily="34" charset="-127"/>
                 <a:ea typeface="Noto Sans CJK KR Medium" panose="020B0600000000000000" pitchFamily="34" charset="-127"/>
               </a:rPr>
-              <a:t>일</a:t>
-            </a:r>
-            <a:r>
-              <a:rPr lang="ko-KR" altLang="en-US" sz="2400" spc="-150" dirty="0" smtClean="0">
-                <a:ln>
-                  <a:solidFill>
-                    <a:schemeClr val="accent1">
-                      <a:alpha val="0"/>
-                    </a:schemeClr>
-                  </a:solidFill>
-                </a:ln>
-                <a:solidFill>
-                  <a:srgbClr val="282421"/>
-                </a:solidFill>
-                <a:latin typeface="Noto Sans CJK KR Medium" panose="020B0600000000000000" pitchFamily="34" charset="-127"/>
-                <a:ea typeface="Noto Sans CJK KR Medium" panose="020B0600000000000000" pitchFamily="34" charset="-127"/>
-              </a:rPr>
-              <a:t>주일 전 뒤엎은 프로젝트</a:t>
+              <a:t>일주일 전 뒤엎은 프로젝트</a:t>
             </a:r>
             <a:endParaRPr lang="en-US" altLang="ko-KR" sz="2400" spc="-150" dirty="0">
               <a:ln>
@@ -3022,15 +3227,15 @@
           <a:lstStyle/>
           <a:p>
             <a:r>
-              <a:rPr lang="ko-KR" altLang="en-US" sz="2000" dirty="0" smtClean="0"/>
+              <a:rPr lang="ko-KR" altLang="en-US" sz="2000" dirty="0"/>
               <a:t>검색기능</a:t>
             </a:r>
             <a:r>
-              <a:rPr lang="ko-KR" altLang="en-US" dirty="0" smtClean="0"/>
+              <a:rPr lang="ko-KR" altLang="en-US" dirty="0"/>
               <a:t> 하려고 보니</a:t>
             </a:r>
             <a:r>
-              <a:rPr lang="en-US" altLang="ko-KR" dirty="0" smtClean="0"/>
+              <a:rPr lang="en-US" altLang="ko-KR" dirty="0"/>
               <a:t>!</a:t>
             </a:r>
             <a:endParaRPr lang="ko-KR" altLang="en-US" dirty="0"/>
@@ -3110,15 +3315,15 @@
           <a:lstStyle/>
           <a:p>
             <a:r>
-              <a:rPr lang="en-US" altLang="ko-KR" sz="4400" dirty="0" smtClean="0"/>
+              <a:rPr lang="en-US" altLang="ko-KR" sz="4400" dirty="0"/>
               <a:t>DB </a:t>
             </a:r>
             <a:r>
-              <a:rPr lang="ko-KR" altLang="en-US" sz="4400" dirty="0" smtClean="0"/>
+              <a:rPr lang="ko-KR" altLang="en-US" sz="4400" dirty="0"/>
               <a:t>수정 필요</a:t>
             </a:r>
             <a:r>
-              <a:rPr lang="en-US" altLang="ko-KR" sz="4400" dirty="0" smtClean="0"/>
+              <a:rPr lang="en-US" altLang="ko-KR" sz="4400" dirty="0"/>
               <a:t>!</a:t>
             </a:r>
             <a:endParaRPr lang="ko-KR" altLang="en-US" sz="4400" dirty="0"/>
@@ -3303,7 +3508,7 @@
           <a:lstStyle/>
           <a:p>
             <a:r>
-              <a:rPr lang="en-US" altLang="ko-KR" dirty="0" smtClean="0"/>
+              <a:rPr lang="en-US" altLang="ko-KR" dirty="0"/>
               <a:t>5</a:t>
             </a:r>
             <a:endParaRPr lang="ko-KR" altLang="en-US" dirty="0"/>
@@ -3512,36 +3717,28 @@
           </a:lstStyle>
           <a:p>
             <a:r>
-              <a:rPr lang="en-US" altLang="ko-KR" sz="2400" dirty="0" smtClean="0">
+              <a:rPr lang="en-US" altLang="ko-KR" sz="2400" dirty="0">
                 <a:latin typeface="Noto Sans CJK KR Medium" panose="020B0600000000000000" pitchFamily="34" charset="-127"/>
                 <a:ea typeface="Noto Sans CJK KR Medium" panose="020B0600000000000000" pitchFamily="34" charset="-127"/>
               </a:rPr>
               <a:t>02.</a:t>
             </a:r>
-            <a:endParaRPr lang="en-US" altLang="ko-KR" sz="2400" dirty="0">
-              <a:latin typeface="Noto Sans CJK KR Medium" panose="020B0600000000000000" pitchFamily="34" charset="-127"/>
-              <a:ea typeface="Noto Sans CJK KR Medium" panose="020B0600000000000000" pitchFamily="34" charset="-127"/>
-            </a:endParaRPr>
-          </a:p>
-          <a:p>
-            <a:r>
-              <a:rPr lang="en-US" altLang="ko-KR" sz="2400" dirty="0" smtClean="0">
+          </a:p>
+          <a:p>
+            <a:r>
+              <a:rPr lang="en-US" altLang="ko-KR" sz="2400" dirty="0">
                 <a:latin typeface="Noto Sans CJK KR Medium" panose="020B0600000000000000" pitchFamily="34" charset="-127"/>
                 <a:ea typeface="Noto Sans CJK KR Medium" panose="020B0600000000000000" pitchFamily="34" charset="-127"/>
               </a:rPr>
               <a:t>DB </a:t>
             </a:r>
             <a:r>
-              <a:rPr lang="ko-KR" altLang="en-US" sz="2400" dirty="0" smtClean="0">
+              <a:rPr lang="ko-KR" altLang="en-US" sz="2400" dirty="0">
                 <a:latin typeface="Noto Sans CJK KR Medium" panose="020B0600000000000000" pitchFamily="34" charset="-127"/>
                 <a:ea typeface="Noto Sans CJK KR Medium" panose="020B0600000000000000" pitchFamily="34" charset="-127"/>
               </a:rPr>
               <a:t>구조 변경 </a:t>
             </a:r>
-            <a:endParaRPr lang="ko-KR" altLang="en-US" sz="2400" dirty="0">
-              <a:latin typeface="Noto Sans CJK KR Medium" panose="020B0600000000000000" pitchFamily="34" charset="-127"/>
-              <a:ea typeface="Noto Sans CJK KR Medium" panose="020B0600000000000000" pitchFamily="34" charset="-127"/>
-            </a:endParaRPr>
           </a:p>
         </p:txBody>
       </p:sp>
@@ -3590,7 +3787,7 @@
           </a:lstStyle>
           <a:p>
             <a:r>
-              <a:rPr lang="ko-KR" altLang="en-US" sz="1800" dirty="0" smtClean="0">
+              <a:rPr lang="ko-KR" altLang="en-US" sz="1800" dirty="0">
                 <a:solidFill>
                   <a:schemeClr val="bg1">
                     <a:lumMod val="75000"/>
@@ -3599,13 +3796,6 @@
               </a:rPr>
               <a:t>처음부터 잘못된 계획과 설계</a:t>
             </a:r>
-            <a:endParaRPr lang="ko-KR" altLang="en-US" sz="1800" dirty="0">
-              <a:solidFill>
-                <a:schemeClr val="bg1">
-                  <a:lumMod val="75000"/>
-                </a:schemeClr>
-              </a:solidFill>
-            </a:endParaRPr>
           </a:p>
         </p:txBody>
       </p:sp>
@@ -3636,7 +3826,7 @@
               </a:spcBef>
             </a:pPr>
             <a:r>
-              <a:rPr lang="en-US" altLang="ko-KR" sz="2400" spc="-150" dirty="0" smtClean="0">
+              <a:rPr lang="en-US" altLang="ko-KR" sz="2400" spc="-150" dirty="0">
                 <a:ln>
                   <a:solidFill>
                     <a:schemeClr val="accent1">
@@ -3653,7 +3843,7 @@
               <a:t>DB </a:t>
             </a:r>
             <a:r>
-              <a:rPr lang="ko-KR" altLang="en-US" sz="2400" spc="-150" dirty="0" smtClean="0">
+              <a:rPr lang="ko-KR" altLang="en-US" sz="2400" spc="-150" dirty="0">
                 <a:ln>
                   <a:solidFill>
                     <a:schemeClr val="accent1">
@@ -3768,13 +3958,6 @@
   <p:clrMapOvr>
     <a:masterClrMapping/>
   </p:clrMapOvr>
-  <p:timing>
-    <p:tnLst>
-      <p:par>
-        <p:cTn id="1" dur="indefinite" restart="never" nodeType="tmRoot"/>
-      </p:par>
-    </p:tnLst>
-  </p:timing>
 </p:sld>
 </file>
 
@@ -3811,7 +3994,7 @@
           <a:lstStyle/>
           <a:p>
             <a:r>
-              <a:rPr lang="en-US" altLang="ko-KR" dirty="0" smtClean="0"/>
+              <a:rPr lang="en-US" altLang="ko-KR" dirty="0"/>
               <a:t>5</a:t>
             </a:r>
             <a:endParaRPr lang="ko-KR" altLang="en-US" dirty="0"/>
@@ -4020,36 +4203,28 @@
           </a:lstStyle>
           <a:p>
             <a:r>
-              <a:rPr lang="en-US" altLang="ko-KR" sz="2400" dirty="0" smtClean="0">
+              <a:rPr lang="en-US" altLang="ko-KR" sz="2400" dirty="0">
                 <a:latin typeface="Noto Sans CJK KR Medium" panose="020B0600000000000000" pitchFamily="34" charset="-127"/>
                 <a:ea typeface="Noto Sans CJK KR Medium" panose="020B0600000000000000" pitchFamily="34" charset="-127"/>
               </a:rPr>
               <a:t>02.</a:t>
             </a:r>
-            <a:endParaRPr lang="en-US" altLang="ko-KR" sz="2400" dirty="0">
-              <a:latin typeface="Noto Sans CJK KR Medium" panose="020B0600000000000000" pitchFamily="34" charset="-127"/>
-              <a:ea typeface="Noto Sans CJK KR Medium" panose="020B0600000000000000" pitchFamily="34" charset="-127"/>
-            </a:endParaRPr>
-          </a:p>
-          <a:p>
-            <a:r>
-              <a:rPr lang="en-US" altLang="ko-KR" sz="2400" dirty="0" smtClean="0">
+          </a:p>
+          <a:p>
+            <a:r>
+              <a:rPr lang="en-US" altLang="ko-KR" sz="2400" dirty="0">
                 <a:latin typeface="Noto Sans CJK KR Medium" panose="020B0600000000000000" pitchFamily="34" charset="-127"/>
                 <a:ea typeface="Noto Sans CJK KR Medium" panose="020B0600000000000000" pitchFamily="34" charset="-127"/>
               </a:rPr>
               <a:t>DB </a:t>
             </a:r>
             <a:r>
-              <a:rPr lang="ko-KR" altLang="en-US" sz="2400" dirty="0" smtClean="0">
+              <a:rPr lang="ko-KR" altLang="en-US" sz="2400" dirty="0">
                 <a:latin typeface="Noto Sans CJK KR Medium" panose="020B0600000000000000" pitchFamily="34" charset="-127"/>
                 <a:ea typeface="Noto Sans CJK KR Medium" panose="020B0600000000000000" pitchFamily="34" charset="-127"/>
               </a:rPr>
               <a:t>구조 변경 </a:t>
             </a:r>
-            <a:endParaRPr lang="ko-KR" altLang="en-US" sz="2400" dirty="0">
-              <a:latin typeface="Noto Sans CJK KR Medium" panose="020B0600000000000000" pitchFamily="34" charset="-127"/>
-              <a:ea typeface="Noto Sans CJK KR Medium" panose="020B0600000000000000" pitchFamily="34" charset="-127"/>
-            </a:endParaRPr>
           </a:p>
         </p:txBody>
       </p:sp>
@@ -4098,7 +4273,7 @@
           </a:lstStyle>
           <a:p>
             <a:r>
-              <a:rPr lang="ko-KR" altLang="en-US" sz="1800" dirty="0" smtClean="0">
+              <a:rPr lang="ko-KR" altLang="en-US" sz="1800" dirty="0">
                 <a:solidFill>
                   <a:schemeClr val="bg1">
                     <a:lumMod val="75000"/>
@@ -4107,13 +4282,6 @@
               </a:rPr>
               <a:t>처음부터 잘못된 계획과 설계</a:t>
             </a:r>
-            <a:endParaRPr lang="ko-KR" altLang="en-US" sz="1800" dirty="0">
-              <a:solidFill>
-                <a:schemeClr val="bg1">
-                  <a:lumMod val="75000"/>
-                </a:schemeClr>
-              </a:solidFill>
-            </a:endParaRPr>
           </a:p>
         </p:txBody>
       </p:sp>
@@ -4144,7 +4312,7 @@
               </a:spcBef>
             </a:pPr>
             <a:r>
-              <a:rPr lang="en-US" altLang="ko-KR" sz="2400" spc="-150" dirty="0" smtClean="0">
+              <a:rPr lang="en-US" altLang="ko-KR" sz="2400" spc="-150" dirty="0">
                 <a:ln>
                   <a:solidFill>
                     <a:schemeClr val="accent1">
@@ -4161,7 +4329,7 @@
               <a:t>DB </a:t>
             </a:r>
             <a:r>
-              <a:rPr lang="ko-KR" altLang="en-US" sz="2400" spc="-150" dirty="0" smtClean="0">
+              <a:rPr lang="ko-KR" altLang="en-US" sz="2400" spc="-150" dirty="0">
                 <a:ln>
                   <a:solidFill>
                     <a:schemeClr val="accent1">
@@ -4276,13 +4444,6 @@
   <p:clrMapOvr>
     <a:masterClrMapping/>
   </p:clrMapOvr>
-  <p:timing>
-    <p:tnLst>
-      <p:par>
-        <p:cTn id="1" dur="indefinite" restart="never" nodeType="tmRoot"/>
-      </p:par>
-    </p:tnLst>
-  </p:timing>
 </p:sld>
 </file>
 
@@ -4319,7 +4480,7 @@
           <a:lstStyle/>
           <a:p>
             <a:r>
-              <a:rPr lang="en-US" altLang="ko-KR" dirty="0" smtClean="0"/>
+              <a:rPr lang="en-US" altLang="ko-KR" dirty="0"/>
               <a:t>5</a:t>
             </a:r>
             <a:endParaRPr lang="ko-KR" altLang="en-US" dirty="0"/>
@@ -4528,36 +4689,28 @@
           </a:lstStyle>
           <a:p>
             <a:r>
-              <a:rPr lang="en-US" altLang="ko-KR" sz="2400" dirty="0" smtClean="0">
+              <a:rPr lang="en-US" altLang="ko-KR" sz="2400" dirty="0">
                 <a:latin typeface="Noto Sans CJK KR Medium" panose="020B0600000000000000" pitchFamily="34" charset="-127"/>
                 <a:ea typeface="Noto Sans CJK KR Medium" panose="020B0600000000000000" pitchFamily="34" charset="-127"/>
               </a:rPr>
               <a:t>02.</a:t>
             </a:r>
-            <a:endParaRPr lang="en-US" altLang="ko-KR" sz="2400" dirty="0">
-              <a:latin typeface="Noto Sans CJK KR Medium" panose="020B0600000000000000" pitchFamily="34" charset="-127"/>
-              <a:ea typeface="Noto Sans CJK KR Medium" panose="020B0600000000000000" pitchFamily="34" charset="-127"/>
-            </a:endParaRPr>
-          </a:p>
-          <a:p>
-            <a:r>
-              <a:rPr lang="en-US" altLang="ko-KR" sz="2400" dirty="0" smtClean="0">
+          </a:p>
+          <a:p>
+            <a:r>
+              <a:rPr lang="en-US" altLang="ko-KR" sz="2400" dirty="0">
                 <a:latin typeface="Noto Sans CJK KR Medium" panose="020B0600000000000000" pitchFamily="34" charset="-127"/>
                 <a:ea typeface="Noto Sans CJK KR Medium" panose="020B0600000000000000" pitchFamily="34" charset="-127"/>
               </a:rPr>
               <a:t>DB </a:t>
             </a:r>
             <a:r>
-              <a:rPr lang="ko-KR" altLang="en-US" sz="2400" dirty="0" smtClean="0">
+              <a:rPr lang="ko-KR" altLang="en-US" sz="2400" dirty="0">
                 <a:latin typeface="Noto Sans CJK KR Medium" panose="020B0600000000000000" pitchFamily="34" charset="-127"/>
                 <a:ea typeface="Noto Sans CJK KR Medium" panose="020B0600000000000000" pitchFamily="34" charset="-127"/>
               </a:rPr>
               <a:t>구조 변경 </a:t>
             </a:r>
-            <a:endParaRPr lang="ko-KR" altLang="en-US" sz="2400" dirty="0">
-              <a:latin typeface="Noto Sans CJK KR Medium" panose="020B0600000000000000" pitchFamily="34" charset="-127"/>
-              <a:ea typeface="Noto Sans CJK KR Medium" panose="020B0600000000000000" pitchFamily="34" charset="-127"/>
-            </a:endParaRPr>
           </a:p>
         </p:txBody>
       </p:sp>
@@ -4606,7 +4759,7 @@
           </a:lstStyle>
           <a:p>
             <a:r>
-              <a:rPr lang="ko-KR" altLang="en-US" sz="1800" dirty="0" smtClean="0">
+              <a:rPr lang="ko-KR" altLang="en-US" sz="1800" dirty="0">
                 <a:solidFill>
                   <a:schemeClr val="bg1">
                     <a:lumMod val="75000"/>
@@ -4615,13 +4768,6 @@
               </a:rPr>
               <a:t>처음부터 잘못된 계획과 설계</a:t>
             </a:r>
-            <a:endParaRPr lang="ko-KR" altLang="en-US" sz="1800" dirty="0">
-              <a:solidFill>
-                <a:schemeClr val="bg1">
-                  <a:lumMod val="75000"/>
-                </a:schemeClr>
-              </a:solidFill>
-            </a:endParaRPr>
           </a:p>
         </p:txBody>
       </p:sp>
@@ -4652,7 +4798,7 @@
               </a:spcBef>
             </a:pPr>
             <a:r>
-              <a:rPr lang="en-US" altLang="ko-KR" sz="2400" spc="-150" dirty="0" smtClean="0">
+              <a:rPr lang="en-US" altLang="ko-KR" sz="2400" spc="-150" dirty="0">
                 <a:ln>
                   <a:solidFill>
                     <a:schemeClr val="accent1">
@@ -4669,7 +4815,7 @@
               <a:t>DB </a:t>
             </a:r>
             <a:r>
-              <a:rPr lang="ko-KR" altLang="en-US" sz="2400" spc="-150" dirty="0" smtClean="0">
+              <a:rPr lang="ko-KR" altLang="en-US" sz="2400" spc="-150" dirty="0">
                 <a:ln>
                   <a:solidFill>
                     <a:schemeClr val="accent1">
@@ -4752,22 +4898,34 @@
       </p:sp>
       <p:pic>
         <p:nvPicPr>
-          <p:cNvPr id="3" name="그림 2"/>
+          <p:cNvPr id="10" name="그림 9">
+            <a:extLst>
+              <a:ext uri="{FF2B5EF4-FFF2-40B4-BE49-F238E27FC236}">
+                <a16:creationId xmlns:a16="http://schemas.microsoft.com/office/drawing/2014/main" id="{ED668EF1-C13E-4BB3-9AA1-385964DFD376}"/>
+              </a:ext>
+            </a:extLst>
+          </p:cNvPr>
           <p:cNvPicPr>
             <a:picLocks noChangeAspect="1"/>
           </p:cNvPicPr>
           <p:nvPr/>
         </p:nvPicPr>
         <p:blipFill>
-          <a:blip r:embed="rId3"/>
+          <a:blip r:embed="rId3">
+            <a:extLst>
+              <a:ext uri="{28A0092B-C50C-407E-A947-70E740481C1C}">
+                <a14:useLocalDpi xmlns:a14="http://schemas.microsoft.com/office/drawing/2010/main" val="0"/>
+              </a:ext>
+            </a:extLst>
+          </a:blip>
           <a:stretch>
             <a:fillRect/>
           </a:stretch>
         </p:blipFill>
         <p:spPr>
           <a:xfrm>
-            <a:off x="2752167" y="1551508"/>
-            <a:ext cx="8648218" cy="4778941"/>
+            <a:off x="2752167" y="1644143"/>
+            <a:ext cx="8592773" cy="4820722"/>
           </a:xfrm>
           <a:prstGeom prst="rect">
             <a:avLst/>
@@ -4784,13 +4942,6 @@
   <p:clrMapOvr>
     <a:masterClrMapping/>
   </p:clrMapOvr>
-  <p:timing>
-    <p:tnLst>
-      <p:par>
-        <p:cTn id="1" dur="indefinite" restart="never" nodeType="tmRoot"/>
-      </p:par>
-    </p:tnLst>
-  </p:timing>
 </p:sld>
 </file>
 
@@ -4827,7 +4978,7 @@
           <a:lstStyle/>
           <a:p>
             <a:r>
-              <a:rPr lang="en-US" altLang="ko-KR" dirty="0" smtClean="0"/>
+              <a:rPr lang="en-US" altLang="ko-KR" dirty="0"/>
               <a:t>5</a:t>
             </a:r>
             <a:endParaRPr lang="ko-KR" altLang="en-US" dirty="0"/>
@@ -5036,36 +5187,28 @@
           </a:lstStyle>
           <a:p>
             <a:r>
-              <a:rPr lang="en-US" altLang="ko-KR" sz="2400" dirty="0" smtClean="0">
+              <a:rPr lang="en-US" altLang="ko-KR" sz="2400" dirty="0">
                 <a:latin typeface="Noto Sans CJK KR Medium" panose="020B0600000000000000" pitchFamily="34" charset="-127"/>
                 <a:ea typeface="Noto Sans CJK KR Medium" panose="020B0600000000000000" pitchFamily="34" charset="-127"/>
               </a:rPr>
               <a:t>02.</a:t>
             </a:r>
-            <a:endParaRPr lang="en-US" altLang="ko-KR" sz="2400" dirty="0">
-              <a:latin typeface="Noto Sans CJK KR Medium" panose="020B0600000000000000" pitchFamily="34" charset="-127"/>
-              <a:ea typeface="Noto Sans CJK KR Medium" panose="020B0600000000000000" pitchFamily="34" charset="-127"/>
-            </a:endParaRPr>
-          </a:p>
-          <a:p>
-            <a:r>
-              <a:rPr lang="en-US" altLang="ko-KR" sz="2400" dirty="0" smtClean="0">
+          </a:p>
+          <a:p>
+            <a:r>
+              <a:rPr lang="en-US" altLang="ko-KR" sz="2400" dirty="0">
                 <a:latin typeface="Noto Sans CJK KR Medium" panose="020B0600000000000000" pitchFamily="34" charset="-127"/>
                 <a:ea typeface="Noto Sans CJK KR Medium" panose="020B0600000000000000" pitchFamily="34" charset="-127"/>
               </a:rPr>
               <a:t>DB </a:t>
             </a:r>
             <a:r>
-              <a:rPr lang="ko-KR" altLang="en-US" sz="2400" dirty="0" smtClean="0">
+              <a:rPr lang="ko-KR" altLang="en-US" sz="2400" dirty="0">
                 <a:latin typeface="Noto Sans CJK KR Medium" panose="020B0600000000000000" pitchFamily="34" charset="-127"/>
                 <a:ea typeface="Noto Sans CJK KR Medium" panose="020B0600000000000000" pitchFamily="34" charset="-127"/>
               </a:rPr>
               <a:t>구조 변경 </a:t>
             </a:r>
-            <a:endParaRPr lang="ko-KR" altLang="en-US" sz="2400" dirty="0">
-              <a:latin typeface="Noto Sans CJK KR Medium" panose="020B0600000000000000" pitchFamily="34" charset="-127"/>
-              <a:ea typeface="Noto Sans CJK KR Medium" panose="020B0600000000000000" pitchFamily="34" charset="-127"/>
-            </a:endParaRPr>
           </a:p>
         </p:txBody>
       </p:sp>
@@ -5114,7 +5257,7 @@
           </a:lstStyle>
           <a:p>
             <a:r>
-              <a:rPr lang="ko-KR" altLang="en-US" sz="1800" dirty="0" smtClean="0">
+              <a:rPr lang="ko-KR" altLang="en-US" sz="1800" dirty="0">
                 <a:solidFill>
                   <a:schemeClr val="bg1">
                     <a:lumMod val="75000"/>
@@ -5123,13 +5266,6 @@
               </a:rPr>
               <a:t>처음부터 잘못된 계획과 설계</a:t>
             </a:r>
-            <a:endParaRPr lang="ko-KR" altLang="en-US" sz="1800" dirty="0">
-              <a:solidFill>
-                <a:schemeClr val="bg1">
-                  <a:lumMod val="75000"/>
-                </a:schemeClr>
-              </a:solidFill>
-            </a:endParaRPr>
           </a:p>
         </p:txBody>
       </p:sp>
@@ -5160,7 +5296,7 @@
               </a:spcBef>
             </a:pPr>
             <a:r>
-              <a:rPr lang="en-US" altLang="ko-KR" sz="2400" spc="-150" dirty="0" smtClean="0">
+              <a:rPr lang="en-US" altLang="ko-KR" sz="2400" spc="-150" dirty="0">
                 <a:ln>
                   <a:solidFill>
                     <a:schemeClr val="accent1">
@@ -5177,7 +5313,7 @@
               <a:t>DB </a:t>
             </a:r>
             <a:r>
-              <a:rPr lang="ko-KR" altLang="en-US" sz="2400" spc="-150" dirty="0" smtClean="0">
+              <a:rPr lang="ko-KR" altLang="en-US" sz="2400" spc="-150" dirty="0">
                 <a:ln>
                   <a:solidFill>
                     <a:schemeClr val="accent1">
@@ -5263,7 +5399,7 @@
           <p:cNvPr id="10" name="그림 9">
             <a:extLst>
               <a:ext uri="{FF2B5EF4-FFF2-40B4-BE49-F238E27FC236}">
-                <a16:creationId xmlns:a16="http://schemas.microsoft.com/office/drawing/2014/main" id="{FF872F54-42E3-44AD-8F71-58D4ECA43C5A}"/>
+                <a16:creationId xmlns:a16="http://schemas.microsoft.com/office/drawing/2014/main" id="{ED668EF1-C13E-4BB3-9AA1-385964DFD376}"/>
               </a:ext>
             </a:extLst>
           </p:cNvPr>
@@ -5286,31 +5422,154 @@
         </p:blipFill>
         <p:spPr>
           <a:xfrm>
-            <a:off x="2752166" y="1849129"/>
-            <a:ext cx="8369721" cy="4360905"/>
+            <a:off x="2752167" y="1644143"/>
+            <a:ext cx="8592773" cy="4820722"/>
           </a:xfrm>
           <a:prstGeom prst="rect">
             <a:avLst/>
           </a:prstGeom>
         </p:spPr>
       </p:pic>
+      <p:sp>
+        <p:nvSpPr>
+          <p:cNvPr id="11" name="직사각형 10">
+            <a:extLst>
+              <a:ext uri="{FF2B5EF4-FFF2-40B4-BE49-F238E27FC236}">
+                <a16:creationId xmlns:a16="http://schemas.microsoft.com/office/drawing/2014/main" id="{A1E829AB-5E49-4EB2-9664-A8CD1C106E5A}"/>
+              </a:ext>
+            </a:extLst>
+          </p:cNvPr>
+          <p:cNvSpPr/>
+          <p:nvPr/>
+        </p:nvSpPr>
+        <p:spPr>
+          <a:xfrm>
+            <a:off x="2913321" y="1849130"/>
+            <a:ext cx="2083981" cy="4424080"/>
+          </a:xfrm>
+          <a:prstGeom prst="rect">
+            <a:avLst/>
+          </a:prstGeom>
+          <a:noFill/>
+          <a:ln w="76200"/>
+        </p:spPr>
+        <p:style>
+          <a:lnRef idx="2">
+            <a:schemeClr val="accent1">
+              <a:shade val="50000"/>
+            </a:schemeClr>
+          </a:lnRef>
+          <a:fillRef idx="1">
+            <a:schemeClr val="accent1"/>
+          </a:fillRef>
+          <a:effectRef idx="0">
+            <a:schemeClr val="accent1"/>
+          </a:effectRef>
+          <a:fontRef idx="minor">
+            <a:schemeClr val="lt1"/>
+          </a:fontRef>
+        </p:style>
+        <p:txBody>
+          <a:bodyPr rtlCol="0" anchor="ctr"/>
+          <a:lstStyle/>
+          <a:p>
+            <a:pPr algn="ctr"/>
+            <a:endParaRPr lang="ko-KR" altLang="en-US"/>
+          </a:p>
+        </p:txBody>
+      </p:sp>
+      <p:cxnSp>
+        <p:nvCxnSpPr>
+          <p:cNvPr id="12" name="직선 연결선 11">
+            <a:extLst>
+              <a:ext uri="{FF2B5EF4-FFF2-40B4-BE49-F238E27FC236}">
+                <a16:creationId xmlns:a16="http://schemas.microsoft.com/office/drawing/2014/main" id="{255F5D8A-D945-4FED-A5F1-4F187327104E}"/>
+              </a:ext>
+            </a:extLst>
+          </p:cNvPr>
+          <p:cNvCxnSpPr/>
+          <p:nvPr/>
+        </p:nvCxnSpPr>
+        <p:spPr>
+          <a:xfrm>
+            <a:off x="3321639" y="3593805"/>
+            <a:ext cx="1069608" cy="0"/>
+          </a:xfrm>
+          <a:prstGeom prst="line">
+            <a:avLst/>
+          </a:prstGeom>
+          <a:ln w="38100">
+            <a:solidFill>
+              <a:srgbClr val="C00000"/>
+            </a:solidFill>
+          </a:ln>
+        </p:spPr>
+        <p:style>
+          <a:lnRef idx="1">
+            <a:schemeClr val="accent1"/>
+          </a:lnRef>
+          <a:fillRef idx="0">
+            <a:schemeClr val="accent1"/>
+          </a:fillRef>
+          <a:effectRef idx="0">
+            <a:schemeClr val="accent1"/>
+          </a:effectRef>
+          <a:fontRef idx="minor">
+            <a:schemeClr val="tx1"/>
+          </a:fontRef>
+        </p:style>
+      </p:cxnSp>
+      <p:cxnSp>
+        <p:nvCxnSpPr>
+          <p:cNvPr id="13" name="직선 연결선 12">
+            <a:extLst>
+              <a:ext uri="{FF2B5EF4-FFF2-40B4-BE49-F238E27FC236}">
+                <a16:creationId xmlns:a16="http://schemas.microsoft.com/office/drawing/2014/main" id="{E664A551-4A76-4D67-BC64-E542B82FDBA9}"/>
+              </a:ext>
+            </a:extLst>
+          </p:cNvPr>
+          <p:cNvCxnSpPr/>
+          <p:nvPr/>
+        </p:nvCxnSpPr>
+        <p:spPr>
+          <a:xfrm>
+            <a:off x="3495304" y="5458047"/>
+            <a:ext cx="1069608" cy="0"/>
+          </a:xfrm>
+          <a:prstGeom prst="line">
+            <a:avLst/>
+          </a:prstGeom>
+          <a:ln w="38100">
+            <a:solidFill>
+              <a:srgbClr val="C00000"/>
+            </a:solidFill>
+          </a:ln>
+        </p:spPr>
+        <p:style>
+          <a:lnRef idx="1">
+            <a:schemeClr val="accent1"/>
+          </a:lnRef>
+          <a:fillRef idx="0">
+            <a:schemeClr val="accent1"/>
+          </a:fillRef>
+          <a:effectRef idx="0">
+            <a:schemeClr val="accent1"/>
+          </a:effectRef>
+          <a:fontRef idx="minor">
+            <a:schemeClr val="tx1"/>
+          </a:fontRef>
+        </p:style>
+      </p:cxnSp>
     </p:spTree>
     <p:extLst>
       <p:ext uri="{BB962C8B-B14F-4D97-AF65-F5344CB8AC3E}">
-        <p14:creationId xmlns:p14="http://schemas.microsoft.com/office/powerpoint/2010/main" val="2694856111"/>
+        <p14:creationId xmlns:p14="http://schemas.microsoft.com/office/powerpoint/2010/main" val="3076410117"/>
       </p:ext>
     </p:extLst>
   </p:cSld>
   <p:clrMapOvr>
     <a:masterClrMapping/>
   </p:clrMapOvr>
-  <p:timing>
-    <p:tnLst>
-      <p:par>
-        <p:cTn id="1" dur="indefinite" restart="never" nodeType="tmRoot"/>
-      </p:par>
-    </p:tnLst>
-  </p:timing>
 </p:sld>
 </file>
 
@@ -5347,7 +5606,7 @@
           <a:lstStyle/>
           <a:p>
             <a:r>
-              <a:rPr lang="en-US" altLang="ko-KR" dirty="0" smtClean="0"/>
+              <a:rPr lang="en-US" altLang="ko-KR" dirty="0"/>
               <a:t>5</a:t>
             </a:r>
             <a:endParaRPr lang="ko-KR" altLang="en-US" dirty="0"/>
@@ -5556,29 +5815,28 @@
           </a:lstStyle>
           <a:p>
             <a:r>
-              <a:rPr lang="en-US" altLang="ko-KR" sz="2400" dirty="0" smtClean="0">
+              <a:rPr lang="en-US" altLang="ko-KR" sz="2400" dirty="0">
                 <a:latin typeface="Noto Sans CJK KR Medium" panose="020B0600000000000000" pitchFamily="34" charset="-127"/>
                 <a:ea typeface="Noto Sans CJK KR Medium" panose="020B0600000000000000" pitchFamily="34" charset="-127"/>
               </a:rPr>
-              <a:t>03.</a:t>
-            </a:r>
-            <a:endParaRPr lang="en-US" altLang="ko-KR" sz="2400" dirty="0">
-              <a:latin typeface="Noto Sans CJK KR Medium" panose="020B0600000000000000" pitchFamily="34" charset="-127"/>
-              <a:ea typeface="Noto Sans CJK KR Medium" panose="020B0600000000000000" pitchFamily="34" charset="-127"/>
-            </a:endParaRPr>
-          </a:p>
-          <a:p>
-            <a:r>
-              <a:rPr lang="ko-KR" altLang="en-US" sz="2400" dirty="0" smtClean="0">
+              <a:t>02.</a:t>
+            </a:r>
+          </a:p>
+          <a:p>
+            <a:r>
+              <a:rPr lang="en-US" altLang="ko-KR" sz="2400" dirty="0">
                 <a:latin typeface="Noto Sans CJK KR Medium" panose="020B0600000000000000" pitchFamily="34" charset="-127"/>
                 <a:ea typeface="Noto Sans CJK KR Medium" panose="020B0600000000000000" pitchFamily="34" charset="-127"/>
               </a:rPr>
-              <a:t>프론트 변경</a:t>
-            </a:r>
-            <a:endParaRPr lang="ko-KR" altLang="en-US" sz="2400" dirty="0">
-              <a:latin typeface="Noto Sans CJK KR Medium" panose="020B0600000000000000" pitchFamily="34" charset="-127"/>
-              <a:ea typeface="Noto Sans CJK KR Medium" panose="020B0600000000000000" pitchFamily="34" charset="-127"/>
-            </a:endParaRPr>
+              <a:t>DB </a:t>
+            </a:r>
+            <a:r>
+              <a:rPr lang="ko-KR" altLang="en-US" sz="2400" dirty="0">
+                <a:latin typeface="Noto Sans CJK KR Medium" panose="020B0600000000000000" pitchFamily="34" charset="-127"/>
+                <a:ea typeface="Noto Sans CJK KR Medium" panose="020B0600000000000000" pitchFamily="34" charset="-127"/>
+              </a:rPr>
+              <a:t>구조 변경 </a:t>
+            </a:r>
           </a:p>
         </p:txBody>
       </p:sp>
@@ -5627,7 +5885,7 @@
           </a:lstStyle>
           <a:p>
             <a:r>
-              <a:rPr lang="ko-KR" altLang="en-US" sz="1800" dirty="0" smtClean="0">
+              <a:rPr lang="ko-KR" altLang="en-US" sz="1800" dirty="0">
                 <a:solidFill>
                   <a:schemeClr val="bg1">
                     <a:lumMod val="75000"/>
@@ -5636,13 +5894,6 @@
               </a:rPr>
               <a:t>처음부터 잘못된 계획과 설계</a:t>
             </a:r>
-            <a:endParaRPr lang="ko-KR" altLang="en-US" sz="1800" dirty="0">
-              <a:solidFill>
-                <a:schemeClr val="bg1">
-                  <a:lumMod val="75000"/>
-                </a:schemeClr>
-              </a:solidFill>
-            </a:endParaRPr>
           </a:p>
         </p:txBody>
       </p:sp>
@@ -5655,7 +5906,7 @@
         <p:spPr>
           <a:xfrm>
             <a:off x="2752167" y="1089843"/>
-            <a:ext cx="1717137" cy="461665"/>
+            <a:ext cx="2685351" cy="461665"/>
           </a:xfrm>
           <a:prstGeom prst="rect">
             <a:avLst/>
@@ -5673,7 +5924,1674 @@
               </a:spcBef>
             </a:pPr>
             <a:r>
-              <a:rPr lang="ko-KR" altLang="en-US" sz="2400" spc="-150" dirty="0" smtClean="0">
+              <a:rPr lang="en-US" altLang="ko-KR" sz="2400" spc="-150" dirty="0">
+                <a:ln>
+                  <a:solidFill>
+                    <a:schemeClr val="accent1">
+                      <a:alpha val="0"/>
+                    </a:schemeClr>
+                  </a:solidFill>
+                </a:ln>
+                <a:solidFill>
+                  <a:srgbClr val="282421"/>
+                </a:solidFill>
+                <a:latin typeface="Noto Sans CJK KR Medium" panose="020B0600000000000000" pitchFamily="34" charset="-127"/>
+                <a:ea typeface="Noto Sans CJK KR Medium" panose="020B0600000000000000" pitchFamily="34" charset="-127"/>
+              </a:rPr>
+              <a:t>DB </a:t>
+            </a:r>
+            <a:r>
+              <a:rPr lang="ko-KR" altLang="en-US" sz="2400" spc="-150" dirty="0">
+                <a:ln>
+                  <a:solidFill>
+                    <a:schemeClr val="accent1">
+                      <a:alpha val="0"/>
+                    </a:schemeClr>
+                  </a:solidFill>
+                </a:ln>
+                <a:solidFill>
+                  <a:srgbClr val="282421"/>
+                </a:solidFill>
+                <a:latin typeface="Noto Sans CJK KR Medium" panose="020B0600000000000000" pitchFamily="34" charset="-127"/>
+                <a:ea typeface="Noto Sans CJK KR Medium" panose="020B0600000000000000" pitchFamily="34" charset="-127"/>
+              </a:rPr>
+              <a:t>구조 변경 사항 </a:t>
+            </a:r>
+            <a:endParaRPr lang="en-US" altLang="ko-KR" sz="2400" spc="-150" dirty="0">
+              <a:ln>
+                <a:solidFill>
+                  <a:schemeClr val="accent1">
+                    <a:alpha val="0"/>
+                  </a:schemeClr>
+                </a:solidFill>
+              </a:ln>
+              <a:solidFill>
+                <a:srgbClr val="282421"/>
+              </a:solidFill>
+              <a:latin typeface="Noto Sans CJK KR Medium" panose="020B0600000000000000" pitchFamily="34" charset="-127"/>
+              <a:ea typeface="Noto Sans CJK KR Medium" panose="020B0600000000000000" pitchFamily="34" charset="-127"/>
+            </a:endParaRPr>
+          </a:p>
+        </p:txBody>
+      </p:sp>
+      <p:sp>
+        <p:nvSpPr>
+          <p:cNvPr id="22" name="직사각형 21"/>
+          <p:cNvSpPr/>
+          <p:nvPr/>
+        </p:nvSpPr>
+        <p:spPr>
+          <a:xfrm>
+            <a:off x="9310369" y="6464865"/>
+            <a:ext cx="2900681" cy="320722"/>
+          </a:xfrm>
+          <a:prstGeom prst="rect">
+            <a:avLst/>
+          </a:prstGeom>
+          <a:solidFill>
+            <a:schemeClr val="bg1"/>
+          </a:solidFill>
+          <a:ln>
+            <a:solidFill>
+              <a:schemeClr val="bg1"/>
+            </a:solidFill>
+          </a:ln>
+        </p:spPr>
+        <p:style>
+          <a:lnRef idx="2">
+            <a:schemeClr val="accent1">
+              <a:shade val="50000"/>
+            </a:schemeClr>
+          </a:lnRef>
+          <a:fillRef idx="1">
+            <a:schemeClr val="accent1"/>
+          </a:fillRef>
+          <a:effectRef idx="0">
+            <a:schemeClr val="accent1"/>
+          </a:effectRef>
+          <a:fontRef idx="minor">
+            <a:schemeClr val="lt1"/>
+          </a:fontRef>
+        </p:style>
+        <p:txBody>
+          <a:bodyPr rtlCol="0" anchor="ctr"/>
+          <a:lstStyle/>
+          <a:p>
+            <a:pPr algn="ctr"/>
+            <a:endParaRPr lang="ko-KR" altLang="en-US"/>
+          </a:p>
+        </p:txBody>
+      </p:sp>
+      <p:pic>
+        <p:nvPicPr>
+          <p:cNvPr id="10" name="그림 9">
+            <a:extLst>
+              <a:ext uri="{FF2B5EF4-FFF2-40B4-BE49-F238E27FC236}">
+                <a16:creationId xmlns:a16="http://schemas.microsoft.com/office/drawing/2014/main" id="{ED668EF1-C13E-4BB3-9AA1-385964DFD376}"/>
+              </a:ext>
+            </a:extLst>
+          </p:cNvPr>
+          <p:cNvPicPr>
+            <a:picLocks noChangeAspect="1"/>
+          </p:cNvPicPr>
+          <p:nvPr/>
+        </p:nvPicPr>
+        <p:blipFill>
+          <a:blip r:embed="rId3">
+            <a:extLst>
+              <a:ext uri="{28A0092B-C50C-407E-A947-70E740481C1C}">
+                <a14:useLocalDpi xmlns:a14="http://schemas.microsoft.com/office/drawing/2010/main" val="0"/>
+              </a:ext>
+            </a:extLst>
+          </a:blip>
+          <a:stretch>
+            <a:fillRect/>
+          </a:stretch>
+        </p:blipFill>
+        <p:spPr>
+          <a:xfrm>
+            <a:off x="2752167" y="1644143"/>
+            <a:ext cx="8592773" cy="4820722"/>
+          </a:xfrm>
+          <a:prstGeom prst="rect">
+            <a:avLst/>
+          </a:prstGeom>
+        </p:spPr>
+      </p:pic>
+      <p:cxnSp>
+        <p:nvCxnSpPr>
+          <p:cNvPr id="12" name="직선 연결선 11">
+            <a:extLst>
+              <a:ext uri="{FF2B5EF4-FFF2-40B4-BE49-F238E27FC236}">
+                <a16:creationId xmlns:a16="http://schemas.microsoft.com/office/drawing/2014/main" id="{255F5D8A-D945-4FED-A5F1-4F187327104E}"/>
+              </a:ext>
+            </a:extLst>
+          </p:cNvPr>
+          <p:cNvCxnSpPr/>
+          <p:nvPr/>
+        </p:nvCxnSpPr>
+        <p:spPr>
+          <a:xfrm>
+            <a:off x="3300374" y="2806995"/>
+            <a:ext cx="1069608" cy="0"/>
+          </a:xfrm>
+          <a:prstGeom prst="line">
+            <a:avLst/>
+          </a:prstGeom>
+          <a:ln w="38100">
+            <a:solidFill>
+              <a:srgbClr val="C00000"/>
+            </a:solidFill>
+          </a:ln>
+        </p:spPr>
+        <p:style>
+          <a:lnRef idx="1">
+            <a:schemeClr val="accent1"/>
+          </a:lnRef>
+          <a:fillRef idx="0">
+            <a:schemeClr val="accent1"/>
+          </a:fillRef>
+          <a:effectRef idx="0">
+            <a:schemeClr val="accent1"/>
+          </a:effectRef>
+          <a:fontRef idx="minor">
+            <a:schemeClr val="tx1"/>
+          </a:fontRef>
+        </p:style>
+      </p:cxnSp>
+      <p:sp>
+        <p:nvSpPr>
+          <p:cNvPr id="4" name="자유형: 도형 3">
+            <a:extLst>
+              <a:ext uri="{FF2B5EF4-FFF2-40B4-BE49-F238E27FC236}">
+                <a16:creationId xmlns:a16="http://schemas.microsoft.com/office/drawing/2014/main" id="{432E3E1B-5299-44A5-B0D3-20D7FF602745}"/>
+              </a:ext>
+            </a:extLst>
+          </p:cNvPr>
+          <p:cNvSpPr/>
+          <p:nvPr/>
+        </p:nvSpPr>
+        <p:spPr>
+          <a:xfrm>
+            <a:off x="2658140" y="1435395"/>
+            <a:ext cx="6666613" cy="5252484"/>
+          </a:xfrm>
+          <a:custGeom>
+            <a:avLst/>
+            <a:gdLst>
+              <a:gd name="connsiteX0" fmla="*/ 0 w 6666613"/>
+              <a:gd name="connsiteY0" fmla="*/ 95693 h 5252484"/>
+              <a:gd name="connsiteX1" fmla="*/ 10632 w 6666613"/>
+              <a:gd name="connsiteY1" fmla="*/ 3189768 h 5252484"/>
+              <a:gd name="connsiteX2" fmla="*/ 2456120 w 6666613"/>
+              <a:gd name="connsiteY2" fmla="*/ 3189768 h 5252484"/>
+              <a:gd name="connsiteX3" fmla="*/ 2477386 w 6666613"/>
+              <a:gd name="connsiteY3" fmla="*/ 5252484 h 5252484"/>
+              <a:gd name="connsiteX4" fmla="*/ 5135525 w 6666613"/>
+              <a:gd name="connsiteY4" fmla="*/ 5178056 h 5252484"/>
+              <a:gd name="connsiteX5" fmla="*/ 5039832 w 6666613"/>
+              <a:gd name="connsiteY5" fmla="*/ 2732568 h 5252484"/>
+              <a:gd name="connsiteX6" fmla="*/ 6666613 w 6666613"/>
+              <a:gd name="connsiteY6" fmla="*/ 2732568 h 5252484"/>
+              <a:gd name="connsiteX7" fmla="*/ 6560288 w 6666613"/>
+              <a:gd name="connsiteY7" fmla="*/ 0 h 5252484"/>
+              <a:gd name="connsiteX8" fmla="*/ 0 w 6666613"/>
+              <a:gd name="connsiteY8" fmla="*/ 95693 h 5252484"/>
+            </a:gdLst>
+            <a:ahLst/>
+            <a:cxnLst>
+              <a:cxn ang="0">
+                <a:pos x="connsiteX0" y="connsiteY0"/>
+              </a:cxn>
+              <a:cxn ang="0">
+                <a:pos x="connsiteX1" y="connsiteY1"/>
+              </a:cxn>
+              <a:cxn ang="0">
+                <a:pos x="connsiteX2" y="connsiteY2"/>
+              </a:cxn>
+              <a:cxn ang="0">
+                <a:pos x="connsiteX3" y="connsiteY3"/>
+              </a:cxn>
+              <a:cxn ang="0">
+                <a:pos x="connsiteX4" y="connsiteY4"/>
+              </a:cxn>
+              <a:cxn ang="0">
+                <a:pos x="connsiteX5" y="connsiteY5"/>
+              </a:cxn>
+              <a:cxn ang="0">
+                <a:pos x="connsiteX6" y="connsiteY6"/>
+              </a:cxn>
+              <a:cxn ang="0">
+                <a:pos x="connsiteX7" y="connsiteY7"/>
+              </a:cxn>
+              <a:cxn ang="0">
+                <a:pos x="connsiteX8" y="connsiteY8"/>
+              </a:cxn>
+            </a:cxnLst>
+            <a:rect l="l" t="t" r="r" b="b"/>
+            <a:pathLst>
+              <a:path w="6666613" h="5252484">
+                <a:moveTo>
+                  <a:pt x="0" y="95693"/>
+                </a:moveTo>
+                <a:lnTo>
+                  <a:pt x="10632" y="3189768"/>
+                </a:lnTo>
+                <a:lnTo>
+                  <a:pt x="2456120" y="3189768"/>
+                </a:lnTo>
+                <a:lnTo>
+                  <a:pt x="2477386" y="5252484"/>
+                </a:lnTo>
+                <a:lnTo>
+                  <a:pt x="5135525" y="5178056"/>
+                </a:lnTo>
+                <a:lnTo>
+                  <a:pt x="5039832" y="2732568"/>
+                </a:lnTo>
+                <a:lnTo>
+                  <a:pt x="6666613" y="2732568"/>
+                </a:lnTo>
+                <a:lnTo>
+                  <a:pt x="6560288" y="0"/>
+                </a:lnTo>
+                <a:lnTo>
+                  <a:pt x="0" y="95693"/>
+                </a:lnTo>
+                <a:close/>
+              </a:path>
+            </a:pathLst>
+          </a:custGeom>
+          <a:noFill/>
+          <a:ln w="76200"/>
+        </p:spPr>
+        <p:style>
+          <a:lnRef idx="2">
+            <a:schemeClr val="accent1">
+              <a:shade val="50000"/>
+            </a:schemeClr>
+          </a:lnRef>
+          <a:fillRef idx="1">
+            <a:schemeClr val="accent1"/>
+          </a:fillRef>
+          <a:effectRef idx="0">
+            <a:schemeClr val="accent1"/>
+          </a:effectRef>
+          <a:fontRef idx="minor">
+            <a:schemeClr val="lt1"/>
+          </a:fontRef>
+        </p:style>
+        <p:txBody>
+          <a:bodyPr rtlCol="0" anchor="ctr"/>
+          <a:lstStyle/>
+          <a:p>
+            <a:pPr algn="ctr"/>
+            <a:endParaRPr lang="ko-KR" altLang="en-US"/>
+          </a:p>
+        </p:txBody>
+      </p:sp>
+      <p:cxnSp>
+        <p:nvCxnSpPr>
+          <p:cNvPr id="16" name="직선 연결선 15">
+            <a:extLst>
+              <a:ext uri="{FF2B5EF4-FFF2-40B4-BE49-F238E27FC236}">
+                <a16:creationId xmlns:a16="http://schemas.microsoft.com/office/drawing/2014/main" id="{B05C2712-0F90-44C1-9B4F-FD037411CC00}"/>
+              </a:ext>
+            </a:extLst>
+          </p:cNvPr>
+          <p:cNvCxnSpPr/>
+          <p:nvPr/>
+        </p:nvCxnSpPr>
+        <p:spPr>
+          <a:xfrm>
+            <a:off x="7521500" y="2938130"/>
+            <a:ext cx="1069608" cy="0"/>
+          </a:xfrm>
+          <a:prstGeom prst="line">
+            <a:avLst/>
+          </a:prstGeom>
+          <a:ln w="38100">
+            <a:solidFill>
+              <a:srgbClr val="C00000"/>
+            </a:solidFill>
+          </a:ln>
+        </p:spPr>
+        <p:style>
+          <a:lnRef idx="1">
+            <a:schemeClr val="accent1"/>
+          </a:lnRef>
+          <a:fillRef idx="0">
+            <a:schemeClr val="accent1"/>
+          </a:fillRef>
+          <a:effectRef idx="0">
+            <a:schemeClr val="accent1"/>
+          </a:effectRef>
+          <a:fontRef idx="minor">
+            <a:schemeClr val="tx1"/>
+          </a:fontRef>
+        </p:style>
+      </p:cxnSp>
+      <p:cxnSp>
+        <p:nvCxnSpPr>
+          <p:cNvPr id="17" name="직선 연결선 16">
+            <a:extLst>
+              <a:ext uri="{FF2B5EF4-FFF2-40B4-BE49-F238E27FC236}">
+                <a16:creationId xmlns:a16="http://schemas.microsoft.com/office/drawing/2014/main" id="{20072932-BA95-4BE7-B0A5-86E97DFDA3EB}"/>
+              </a:ext>
+            </a:extLst>
+          </p:cNvPr>
+          <p:cNvCxnSpPr/>
+          <p:nvPr/>
+        </p:nvCxnSpPr>
+        <p:spPr>
+          <a:xfrm>
+            <a:off x="5437518" y="2250336"/>
+            <a:ext cx="1069608" cy="0"/>
+          </a:xfrm>
+          <a:prstGeom prst="line">
+            <a:avLst/>
+          </a:prstGeom>
+          <a:ln w="38100">
+            <a:solidFill>
+              <a:srgbClr val="C00000"/>
+            </a:solidFill>
+          </a:ln>
+        </p:spPr>
+        <p:style>
+          <a:lnRef idx="1">
+            <a:schemeClr val="accent1"/>
+          </a:lnRef>
+          <a:fillRef idx="0">
+            <a:schemeClr val="accent1"/>
+          </a:fillRef>
+          <a:effectRef idx="0">
+            <a:schemeClr val="accent1"/>
+          </a:effectRef>
+          <a:fontRef idx="minor">
+            <a:schemeClr val="tx1"/>
+          </a:fontRef>
+        </p:style>
+      </p:cxnSp>
+      <p:cxnSp>
+        <p:nvCxnSpPr>
+          <p:cNvPr id="18" name="직선 연결선 17">
+            <a:extLst>
+              <a:ext uri="{FF2B5EF4-FFF2-40B4-BE49-F238E27FC236}">
+                <a16:creationId xmlns:a16="http://schemas.microsoft.com/office/drawing/2014/main" id="{8BD8FC92-04E0-4235-A2FD-F4719A413891}"/>
+              </a:ext>
+            </a:extLst>
+          </p:cNvPr>
+          <p:cNvCxnSpPr/>
+          <p:nvPr/>
+        </p:nvCxnSpPr>
+        <p:spPr>
+          <a:xfrm>
+            <a:off x="5515490" y="3756837"/>
+            <a:ext cx="1069608" cy="0"/>
+          </a:xfrm>
+          <a:prstGeom prst="line">
+            <a:avLst/>
+          </a:prstGeom>
+          <a:ln w="38100">
+            <a:solidFill>
+              <a:srgbClr val="C00000"/>
+            </a:solidFill>
+          </a:ln>
+        </p:spPr>
+        <p:style>
+          <a:lnRef idx="1">
+            <a:schemeClr val="accent1"/>
+          </a:lnRef>
+          <a:fillRef idx="0">
+            <a:schemeClr val="accent1"/>
+          </a:fillRef>
+          <a:effectRef idx="0">
+            <a:schemeClr val="accent1"/>
+          </a:effectRef>
+          <a:fontRef idx="minor">
+            <a:schemeClr val="tx1"/>
+          </a:fontRef>
+        </p:style>
+      </p:cxnSp>
+      <p:cxnSp>
+        <p:nvCxnSpPr>
+          <p:cNvPr id="19" name="직선 연결선 18">
+            <a:extLst>
+              <a:ext uri="{FF2B5EF4-FFF2-40B4-BE49-F238E27FC236}">
+                <a16:creationId xmlns:a16="http://schemas.microsoft.com/office/drawing/2014/main" id="{89FA9E2A-16B6-409F-B482-8305A5AD4B61}"/>
+              </a:ext>
+            </a:extLst>
+          </p:cNvPr>
+          <p:cNvCxnSpPr/>
+          <p:nvPr/>
+        </p:nvCxnSpPr>
+        <p:spPr>
+          <a:xfrm>
+            <a:off x="5952778" y="5387163"/>
+            <a:ext cx="1069608" cy="0"/>
+          </a:xfrm>
+          <a:prstGeom prst="line">
+            <a:avLst/>
+          </a:prstGeom>
+          <a:ln w="38100">
+            <a:solidFill>
+              <a:srgbClr val="C00000"/>
+            </a:solidFill>
+          </a:ln>
+        </p:spPr>
+        <p:style>
+          <a:lnRef idx="1">
+            <a:schemeClr val="accent1"/>
+          </a:lnRef>
+          <a:fillRef idx="0">
+            <a:schemeClr val="accent1"/>
+          </a:fillRef>
+          <a:effectRef idx="0">
+            <a:schemeClr val="accent1"/>
+          </a:effectRef>
+          <a:fontRef idx="minor">
+            <a:schemeClr val="tx1"/>
+          </a:fontRef>
+        </p:style>
+      </p:cxnSp>
+    </p:spTree>
+    <p:extLst>
+      <p:ext uri="{BB962C8B-B14F-4D97-AF65-F5344CB8AC3E}">
+        <p14:creationId xmlns:p14="http://schemas.microsoft.com/office/powerpoint/2010/main" val="2397653309"/>
+      </p:ext>
+    </p:extLst>
+  </p:cSld>
+  <p:clrMapOvr>
+    <a:masterClrMapping/>
+  </p:clrMapOvr>
+</p:sld>
+</file>
+
+<file path=ppt/slides/slide8.xml><?xml version="1.0" encoding="utf-8"?>
+<p:sld xmlns:a="http://schemas.openxmlformats.org/drawingml/2006/main" xmlns:r="http://schemas.openxmlformats.org/officeDocument/2006/relationships" xmlns:p="http://schemas.openxmlformats.org/presentationml/2006/main">
+  <p:cSld>
+    <p:spTree>
+      <p:nvGrpSpPr>
+        <p:cNvPr id="1" name=""/>
+        <p:cNvGrpSpPr/>
+        <p:nvPr/>
+      </p:nvGrpSpPr>
+      <p:grpSpPr>
+        <a:xfrm>
+          <a:off x="0" y="0"/>
+          <a:ext cx="0" cy="0"/>
+          <a:chOff x="0" y="0"/>
+          <a:chExt cx="0" cy="0"/>
+        </a:xfrm>
+      </p:grpSpPr>
+      <p:sp>
+        <p:nvSpPr>
+          <p:cNvPr id="2" name="제목 1" hidden="1"/>
+          <p:cNvSpPr>
+            <a:spLocks noGrp="1"/>
+          </p:cNvSpPr>
+          <p:nvPr>
+            <p:ph type="title"/>
+          </p:nvPr>
+        </p:nvSpPr>
+        <p:spPr/>
+        <p:txBody>
+          <a:bodyPr/>
+          <a:lstStyle/>
+          <a:p>
+            <a:r>
+              <a:rPr lang="en-US" altLang="ko-KR" dirty="0"/>
+              <a:t>5</a:t>
+            </a:r>
+            <a:endParaRPr lang="ko-KR" altLang="en-US" dirty="0"/>
+          </a:p>
+        </p:txBody>
+      </p:sp>
+      <p:cxnSp>
+        <p:nvCxnSpPr>
+          <p:cNvPr id="5" name="직선 연결선 4"/>
+          <p:cNvCxnSpPr/>
+          <p:nvPr/>
+        </p:nvCxnSpPr>
+        <p:spPr>
+          <a:xfrm>
+            <a:off x="463854" y="555894"/>
+            <a:ext cx="560439" cy="0"/>
+          </a:xfrm>
+          <a:prstGeom prst="line">
+            <a:avLst/>
+          </a:prstGeom>
+          <a:ln>
+            <a:solidFill>
+              <a:schemeClr val="bg1"/>
+            </a:solidFill>
+          </a:ln>
+        </p:spPr>
+        <p:style>
+          <a:lnRef idx="1">
+            <a:schemeClr val="accent1"/>
+          </a:lnRef>
+          <a:fillRef idx="0">
+            <a:schemeClr val="accent1"/>
+          </a:fillRef>
+          <a:effectRef idx="0">
+            <a:schemeClr val="accent1"/>
+          </a:effectRef>
+          <a:fontRef idx="minor">
+            <a:schemeClr val="tx1"/>
+          </a:fontRef>
+        </p:style>
+      </p:cxnSp>
+      <p:cxnSp>
+        <p:nvCxnSpPr>
+          <p:cNvPr id="6" name="직선 연결선 5"/>
+          <p:cNvCxnSpPr/>
+          <p:nvPr/>
+        </p:nvCxnSpPr>
+        <p:spPr>
+          <a:xfrm>
+            <a:off x="486696" y="2257425"/>
+            <a:ext cx="560439" cy="0"/>
+          </a:xfrm>
+          <a:prstGeom prst="line">
+            <a:avLst/>
+          </a:prstGeom>
+          <a:ln>
+            <a:solidFill>
+              <a:schemeClr val="bg1"/>
+            </a:solidFill>
+          </a:ln>
+        </p:spPr>
+        <p:style>
+          <a:lnRef idx="1">
+            <a:schemeClr val="accent1"/>
+          </a:lnRef>
+          <a:fillRef idx="0">
+            <a:schemeClr val="accent1"/>
+          </a:fillRef>
+          <a:effectRef idx="0">
+            <a:schemeClr val="accent1"/>
+          </a:effectRef>
+          <a:fontRef idx="minor">
+            <a:schemeClr val="tx1"/>
+          </a:fontRef>
+        </p:style>
+      </p:cxnSp>
+      <p:sp>
+        <p:nvSpPr>
+          <p:cNvPr id="7" name="TextBox 6"/>
+          <p:cNvSpPr txBox="1"/>
+          <p:nvPr/>
+        </p:nvSpPr>
+        <p:spPr>
+          <a:xfrm>
+            <a:off x="353419" y="796300"/>
+            <a:ext cx="1557774" cy="1461125"/>
+          </a:xfrm>
+          <a:prstGeom prst="rect">
+            <a:avLst/>
+          </a:prstGeom>
+        </p:spPr>
+        <p:txBody>
+          <a:bodyPr vert="horz" lIns="91440" tIns="45720" rIns="91440" bIns="45720" rtlCol="0">
+            <a:noAutofit/>
+          </a:bodyPr>
+          <a:lstStyle>
+            <a:defPPr>
+              <a:defRPr lang="ko-KR"/>
+            </a:defPPr>
+            <a:lvl1pPr indent="0">
+              <a:lnSpc>
+                <a:spcPct val="100000"/>
+              </a:lnSpc>
+              <a:spcBef>
+                <a:spcPts val="1000"/>
+              </a:spcBef>
+              <a:buFont typeface="Arial" panose="020B0604020202020204" pitchFamily="34" charset="0"/>
+              <a:buNone/>
+              <a:defRPr sz="1100">
+                <a:ln>
+                  <a:solidFill>
+                    <a:schemeClr val="accent1">
+                      <a:alpha val="0"/>
+                    </a:schemeClr>
+                  </a:solidFill>
+                </a:ln>
+                <a:solidFill>
+                  <a:schemeClr val="bg1"/>
+                </a:solidFill>
+                <a:latin typeface="-윤고딕330" panose="02030504000101010101" pitchFamily="18" charset="-127"/>
+                <a:ea typeface="-윤고딕330" panose="02030504000101010101" pitchFamily="18" charset="-127"/>
+              </a:defRPr>
+            </a:lvl1pPr>
+            <a:lvl2pPr marL="685800" indent="-228600">
+              <a:lnSpc>
+                <a:spcPct val="90000"/>
+              </a:lnSpc>
+              <a:spcBef>
+                <a:spcPts val="500"/>
+              </a:spcBef>
+              <a:buFont typeface="Arial" panose="020B0604020202020204" pitchFamily="34" charset="0"/>
+              <a:buChar char="•"/>
+              <a:defRPr sz="2400"/>
+            </a:lvl2pPr>
+            <a:lvl3pPr marL="1143000" indent="-228600">
+              <a:lnSpc>
+                <a:spcPct val="90000"/>
+              </a:lnSpc>
+              <a:spcBef>
+                <a:spcPts val="500"/>
+              </a:spcBef>
+              <a:buFont typeface="Arial" panose="020B0604020202020204" pitchFamily="34" charset="0"/>
+              <a:buChar char="•"/>
+              <a:defRPr sz="2000"/>
+            </a:lvl3pPr>
+            <a:lvl4pPr marL="1600200" indent="-228600">
+              <a:lnSpc>
+                <a:spcPct val="90000"/>
+              </a:lnSpc>
+              <a:spcBef>
+                <a:spcPts val="500"/>
+              </a:spcBef>
+              <a:buFont typeface="Arial" panose="020B0604020202020204" pitchFamily="34" charset="0"/>
+              <a:buChar char="•"/>
+            </a:lvl4pPr>
+            <a:lvl5pPr marL="2057400" indent="-228600">
+              <a:lnSpc>
+                <a:spcPct val="90000"/>
+              </a:lnSpc>
+              <a:spcBef>
+                <a:spcPts val="500"/>
+              </a:spcBef>
+              <a:buFont typeface="Arial" panose="020B0604020202020204" pitchFamily="34" charset="0"/>
+              <a:buChar char="•"/>
+            </a:lvl5pPr>
+            <a:lvl6pPr marL="2514600" indent="-228600">
+              <a:lnSpc>
+                <a:spcPct val="90000"/>
+              </a:lnSpc>
+              <a:spcBef>
+                <a:spcPts val="500"/>
+              </a:spcBef>
+              <a:buFont typeface="Arial" panose="020B0604020202020204" pitchFamily="34" charset="0"/>
+              <a:buChar char="•"/>
+            </a:lvl6pPr>
+            <a:lvl7pPr marL="2971800" indent="-228600">
+              <a:lnSpc>
+                <a:spcPct val="90000"/>
+              </a:lnSpc>
+              <a:spcBef>
+                <a:spcPts val="500"/>
+              </a:spcBef>
+              <a:buFont typeface="Arial" panose="020B0604020202020204" pitchFamily="34" charset="0"/>
+              <a:buChar char="•"/>
+            </a:lvl7pPr>
+            <a:lvl8pPr marL="3429000" indent="-228600">
+              <a:lnSpc>
+                <a:spcPct val="90000"/>
+              </a:lnSpc>
+              <a:spcBef>
+                <a:spcPts val="500"/>
+              </a:spcBef>
+              <a:buFont typeface="Arial" panose="020B0604020202020204" pitchFamily="34" charset="0"/>
+              <a:buChar char="•"/>
+            </a:lvl8pPr>
+            <a:lvl9pPr marL="3886200" indent="-228600">
+              <a:lnSpc>
+                <a:spcPct val="90000"/>
+              </a:lnSpc>
+              <a:spcBef>
+                <a:spcPts val="500"/>
+              </a:spcBef>
+              <a:buFont typeface="Arial" panose="020B0604020202020204" pitchFamily="34" charset="0"/>
+              <a:buChar char="•"/>
+            </a:lvl9pPr>
+          </a:lstStyle>
+          <a:p>
+            <a:r>
+              <a:rPr lang="en-US" altLang="ko-KR" sz="2400" dirty="0">
+                <a:latin typeface="Noto Sans CJK KR Medium" panose="020B0600000000000000" pitchFamily="34" charset="-127"/>
+                <a:ea typeface="Noto Sans CJK KR Medium" panose="020B0600000000000000" pitchFamily="34" charset="-127"/>
+              </a:rPr>
+              <a:t>02.</a:t>
+            </a:r>
+          </a:p>
+          <a:p>
+            <a:r>
+              <a:rPr lang="en-US" altLang="ko-KR" sz="2400" dirty="0">
+                <a:latin typeface="Noto Sans CJK KR Medium" panose="020B0600000000000000" pitchFamily="34" charset="-127"/>
+                <a:ea typeface="Noto Sans CJK KR Medium" panose="020B0600000000000000" pitchFamily="34" charset="-127"/>
+              </a:rPr>
+              <a:t>DB </a:t>
+            </a:r>
+            <a:r>
+              <a:rPr lang="ko-KR" altLang="en-US" sz="2400" dirty="0">
+                <a:latin typeface="Noto Sans CJK KR Medium" panose="020B0600000000000000" pitchFamily="34" charset="-127"/>
+                <a:ea typeface="Noto Sans CJK KR Medium" panose="020B0600000000000000" pitchFamily="34" charset="-127"/>
+              </a:rPr>
+              <a:t>구조 변경 </a:t>
+            </a:r>
+          </a:p>
+        </p:txBody>
+      </p:sp>
+      <p:sp>
+        <p:nvSpPr>
+          <p:cNvPr id="8" name="TextBox 7"/>
+          <p:cNvSpPr txBox="1"/>
+          <p:nvPr/>
+        </p:nvSpPr>
+        <p:spPr>
+          <a:xfrm>
+            <a:off x="2752863" y="792222"/>
+            <a:ext cx="3199915" cy="369332"/>
+          </a:xfrm>
+          <a:prstGeom prst="rect">
+            <a:avLst/>
+          </a:prstGeom>
+        </p:spPr>
+        <p:txBody>
+          <a:bodyPr wrap="none">
+            <a:spAutoFit/>
+          </a:bodyPr>
+          <a:lstStyle>
+            <a:defPPr>
+              <a:defRPr lang="ko-KR"/>
+            </a:defPPr>
+            <a:lvl1pPr>
+              <a:spcBef>
+                <a:spcPts val="1000"/>
+              </a:spcBef>
+              <a:defRPr sz="2000">
+                <a:ln>
+                  <a:solidFill>
+                    <a:schemeClr val="accent1">
+                      <a:alpha val="0"/>
+                    </a:schemeClr>
+                  </a:solidFill>
+                </a:ln>
+                <a:solidFill>
+                  <a:schemeClr val="bg1"/>
+                </a:solidFill>
+                <a:latin typeface="Noto Sans CJK KR Medium" panose="020B0600000000000000" pitchFamily="34" charset="-127"/>
+                <a:ea typeface="Noto Sans CJK KR Medium" panose="020B0600000000000000" pitchFamily="34" charset="-127"/>
+              </a:defRPr>
+            </a:lvl1pPr>
+          </a:lstStyle>
+          <a:p>
+            <a:r>
+              <a:rPr lang="ko-KR" altLang="en-US" sz="1800" dirty="0">
+                <a:solidFill>
+                  <a:schemeClr val="bg1">
+                    <a:lumMod val="75000"/>
+                  </a:schemeClr>
+                </a:solidFill>
+              </a:rPr>
+              <a:t>처음부터 잘못된 계획과 설계</a:t>
+            </a:r>
+          </a:p>
+        </p:txBody>
+      </p:sp>
+      <p:sp>
+        <p:nvSpPr>
+          <p:cNvPr id="9" name="직사각형 8"/>
+          <p:cNvSpPr/>
+          <p:nvPr/>
+        </p:nvSpPr>
+        <p:spPr>
+          <a:xfrm>
+            <a:off x="2752167" y="1089843"/>
+            <a:ext cx="2685351" cy="461665"/>
+          </a:xfrm>
+          <a:prstGeom prst="rect">
+            <a:avLst/>
+          </a:prstGeom>
+        </p:spPr>
+        <p:txBody>
+          <a:bodyPr wrap="none">
+            <a:spAutoFit/>
+          </a:bodyPr>
+          <a:lstStyle/>
+          <a:p>
+            <a:pPr>
+              <a:spcBef>
+                <a:spcPts val="1000"/>
+              </a:spcBef>
+            </a:pPr>
+            <a:r>
+              <a:rPr lang="en-US" altLang="ko-KR" sz="2400" spc="-150" dirty="0">
+                <a:ln>
+                  <a:solidFill>
+                    <a:schemeClr val="accent1">
+                      <a:alpha val="0"/>
+                    </a:schemeClr>
+                  </a:solidFill>
+                </a:ln>
+                <a:solidFill>
+                  <a:srgbClr val="282421"/>
+                </a:solidFill>
+                <a:latin typeface="Noto Sans CJK KR Medium" panose="020B0600000000000000" pitchFamily="34" charset="-127"/>
+                <a:ea typeface="Noto Sans CJK KR Medium" panose="020B0600000000000000" pitchFamily="34" charset="-127"/>
+              </a:rPr>
+              <a:t>DB </a:t>
+            </a:r>
+            <a:r>
+              <a:rPr lang="ko-KR" altLang="en-US" sz="2400" spc="-150" dirty="0">
+                <a:ln>
+                  <a:solidFill>
+                    <a:schemeClr val="accent1">
+                      <a:alpha val="0"/>
+                    </a:schemeClr>
+                  </a:solidFill>
+                </a:ln>
+                <a:solidFill>
+                  <a:srgbClr val="282421"/>
+                </a:solidFill>
+                <a:latin typeface="Noto Sans CJK KR Medium" panose="020B0600000000000000" pitchFamily="34" charset="-127"/>
+                <a:ea typeface="Noto Sans CJK KR Medium" panose="020B0600000000000000" pitchFamily="34" charset="-127"/>
+              </a:rPr>
+              <a:t>구조 변경 사항 </a:t>
+            </a:r>
+            <a:endParaRPr lang="en-US" altLang="ko-KR" sz="2400" spc="-150" dirty="0">
+              <a:ln>
+                <a:solidFill>
+                  <a:schemeClr val="accent1">
+                    <a:alpha val="0"/>
+                  </a:schemeClr>
+                </a:solidFill>
+              </a:ln>
+              <a:solidFill>
+                <a:srgbClr val="282421"/>
+              </a:solidFill>
+              <a:latin typeface="Noto Sans CJK KR Medium" panose="020B0600000000000000" pitchFamily="34" charset="-127"/>
+              <a:ea typeface="Noto Sans CJK KR Medium" panose="020B0600000000000000" pitchFamily="34" charset="-127"/>
+            </a:endParaRPr>
+          </a:p>
+        </p:txBody>
+      </p:sp>
+      <p:sp>
+        <p:nvSpPr>
+          <p:cNvPr id="22" name="직사각형 21"/>
+          <p:cNvSpPr/>
+          <p:nvPr/>
+        </p:nvSpPr>
+        <p:spPr>
+          <a:xfrm>
+            <a:off x="9310369" y="6464865"/>
+            <a:ext cx="2900681" cy="320722"/>
+          </a:xfrm>
+          <a:prstGeom prst="rect">
+            <a:avLst/>
+          </a:prstGeom>
+          <a:solidFill>
+            <a:schemeClr val="bg1"/>
+          </a:solidFill>
+          <a:ln>
+            <a:solidFill>
+              <a:schemeClr val="bg1"/>
+            </a:solidFill>
+          </a:ln>
+        </p:spPr>
+        <p:style>
+          <a:lnRef idx="2">
+            <a:schemeClr val="accent1">
+              <a:shade val="50000"/>
+            </a:schemeClr>
+          </a:lnRef>
+          <a:fillRef idx="1">
+            <a:schemeClr val="accent1"/>
+          </a:fillRef>
+          <a:effectRef idx="0">
+            <a:schemeClr val="accent1"/>
+          </a:effectRef>
+          <a:fontRef idx="minor">
+            <a:schemeClr val="lt1"/>
+          </a:fontRef>
+        </p:style>
+        <p:txBody>
+          <a:bodyPr rtlCol="0" anchor="ctr"/>
+          <a:lstStyle/>
+          <a:p>
+            <a:pPr algn="ctr"/>
+            <a:endParaRPr lang="ko-KR" altLang="en-US"/>
+          </a:p>
+        </p:txBody>
+      </p:sp>
+      <p:pic>
+        <p:nvPicPr>
+          <p:cNvPr id="10" name="그림 9">
+            <a:extLst>
+              <a:ext uri="{FF2B5EF4-FFF2-40B4-BE49-F238E27FC236}">
+                <a16:creationId xmlns:a16="http://schemas.microsoft.com/office/drawing/2014/main" id="{ED668EF1-C13E-4BB3-9AA1-385964DFD376}"/>
+              </a:ext>
+            </a:extLst>
+          </p:cNvPr>
+          <p:cNvPicPr>
+            <a:picLocks noChangeAspect="1"/>
+          </p:cNvPicPr>
+          <p:nvPr/>
+        </p:nvPicPr>
+        <p:blipFill>
+          <a:blip r:embed="rId3">
+            <a:extLst>
+              <a:ext uri="{28A0092B-C50C-407E-A947-70E740481C1C}">
+                <a14:useLocalDpi xmlns:a14="http://schemas.microsoft.com/office/drawing/2010/main" val="0"/>
+              </a:ext>
+            </a:extLst>
+          </a:blip>
+          <a:stretch>
+            <a:fillRect/>
+          </a:stretch>
+        </p:blipFill>
+        <p:spPr>
+          <a:xfrm>
+            <a:off x="2752167" y="1644143"/>
+            <a:ext cx="8592773" cy="4820722"/>
+          </a:xfrm>
+          <a:prstGeom prst="rect">
+            <a:avLst/>
+          </a:prstGeom>
+        </p:spPr>
+      </p:pic>
+      <p:sp>
+        <p:nvSpPr>
+          <p:cNvPr id="3" name="직사각형 2">
+            <a:extLst>
+              <a:ext uri="{FF2B5EF4-FFF2-40B4-BE49-F238E27FC236}">
+                <a16:creationId xmlns:a16="http://schemas.microsoft.com/office/drawing/2014/main" id="{6D86546C-AC4E-48E4-BD66-5E49490D903D}"/>
+              </a:ext>
+            </a:extLst>
+          </p:cNvPr>
+          <p:cNvSpPr/>
+          <p:nvPr/>
+        </p:nvSpPr>
+        <p:spPr>
+          <a:xfrm>
+            <a:off x="5114260" y="1524946"/>
+            <a:ext cx="6081823" cy="5136371"/>
+          </a:xfrm>
+          <a:prstGeom prst="rect">
+            <a:avLst/>
+          </a:prstGeom>
+          <a:noFill/>
+          <a:ln w="76200"/>
+        </p:spPr>
+        <p:style>
+          <a:lnRef idx="2">
+            <a:schemeClr val="accent1">
+              <a:shade val="50000"/>
+            </a:schemeClr>
+          </a:lnRef>
+          <a:fillRef idx="1">
+            <a:schemeClr val="accent1"/>
+          </a:fillRef>
+          <a:effectRef idx="0">
+            <a:schemeClr val="accent1"/>
+          </a:effectRef>
+          <a:fontRef idx="minor">
+            <a:schemeClr val="lt1"/>
+          </a:fontRef>
+        </p:style>
+        <p:txBody>
+          <a:bodyPr rtlCol="0" anchor="ctr"/>
+          <a:lstStyle/>
+          <a:p>
+            <a:pPr algn="ctr"/>
+            <a:endParaRPr lang="ko-KR" altLang="en-US"/>
+          </a:p>
+        </p:txBody>
+      </p:sp>
+      <p:sp>
+        <p:nvSpPr>
+          <p:cNvPr id="11" name="직사각형 10">
+            <a:extLst>
+              <a:ext uri="{FF2B5EF4-FFF2-40B4-BE49-F238E27FC236}">
+                <a16:creationId xmlns:a16="http://schemas.microsoft.com/office/drawing/2014/main" id="{DFF3C4E0-C7E3-4593-86BE-46C8908D7CD0}"/>
+              </a:ext>
+            </a:extLst>
+          </p:cNvPr>
+          <p:cNvSpPr/>
+          <p:nvPr/>
+        </p:nvSpPr>
+        <p:spPr>
+          <a:xfrm>
+            <a:off x="7952945" y="4310408"/>
+            <a:ext cx="1467502" cy="963341"/>
+          </a:xfrm>
+          <a:prstGeom prst="rect">
+            <a:avLst/>
+          </a:prstGeom>
+          <a:noFill/>
+          <a:ln w="76200"/>
+        </p:spPr>
+        <p:style>
+          <a:lnRef idx="2">
+            <a:schemeClr val="accent1">
+              <a:shade val="50000"/>
+            </a:schemeClr>
+          </a:lnRef>
+          <a:fillRef idx="1">
+            <a:schemeClr val="accent1"/>
+          </a:fillRef>
+          <a:effectRef idx="0">
+            <a:schemeClr val="accent1"/>
+          </a:effectRef>
+          <a:fontRef idx="minor">
+            <a:schemeClr val="lt1"/>
+          </a:fontRef>
+        </p:style>
+        <p:txBody>
+          <a:bodyPr rtlCol="0" anchor="ctr"/>
+          <a:lstStyle/>
+          <a:p>
+            <a:pPr algn="ctr"/>
+            <a:endParaRPr lang="ko-KR" altLang="en-US"/>
+          </a:p>
+        </p:txBody>
+      </p:sp>
+      <p:cxnSp>
+        <p:nvCxnSpPr>
+          <p:cNvPr id="12" name="직선 연결선 11">
+            <a:extLst>
+              <a:ext uri="{FF2B5EF4-FFF2-40B4-BE49-F238E27FC236}">
+                <a16:creationId xmlns:a16="http://schemas.microsoft.com/office/drawing/2014/main" id="{46FFB636-24BD-4D5C-9A0B-8A1378CB8A39}"/>
+              </a:ext>
+            </a:extLst>
+          </p:cNvPr>
+          <p:cNvCxnSpPr/>
+          <p:nvPr/>
+        </p:nvCxnSpPr>
+        <p:spPr>
+          <a:xfrm>
+            <a:off x="5437518" y="2870791"/>
+            <a:ext cx="1069608" cy="0"/>
+          </a:xfrm>
+          <a:prstGeom prst="line">
+            <a:avLst/>
+          </a:prstGeom>
+          <a:ln w="38100">
+            <a:solidFill>
+              <a:srgbClr val="C00000"/>
+            </a:solidFill>
+          </a:ln>
+        </p:spPr>
+        <p:style>
+          <a:lnRef idx="1">
+            <a:schemeClr val="accent1"/>
+          </a:lnRef>
+          <a:fillRef idx="0">
+            <a:schemeClr val="accent1"/>
+          </a:fillRef>
+          <a:effectRef idx="0">
+            <a:schemeClr val="accent1"/>
+          </a:effectRef>
+          <a:fontRef idx="minor">
+            <a:schemeClr val="tx1"/>
+          </a:fontRef>
+        </p:style>
+      </p:cxnSp>
+      <p:cxnSp>
+        <p:nvCxnSpPr>
+          <p:cNvPr id="14" name="직선 연결선 13">
+            <a:extLst>
+              <a:ext uri="{FF2B5EF4-FFF2-40B4-BE49-F238E27FC236}">
+                <a16:creationId xmlns:a16="http://schemas.microsoft.com/office/drawing/2014/main" id="{1CED4D53-0289-408E-AFB7-27BF6798395C}"/>
+              </a:ext>
+            </a:extLst>
+          </p:cNvPr>
+          <p:cNvCxnSpPr/>
+          <p:nvPr/>
+        </p:nvCxnSpPr>
+        <p:spPr>
+          <a:xfrm>
+            <a:off x="7503202" y="3799367"/>
+            <a:ext cx="1069608" cy="0"/>
+          </a:xfrm>
+          <a:prstGeom prst="line">
+            <a:avLst/>
+          </a:prstGeom>
+          <a:ln w="38100">
+            <a:solidFill>
+              <a:srgbClr val="C00000"/>
+            </a:solidFill>
+          </a:ln>
+        </p:spPr>
+        <p:style>
+          <a:lnRef idx="1">
+            <a:schemeClr val="accent1"/>
+          </a:lnRef>
+          <a:fillRef idx="0">
+            <a:schemeClr val="accent1"/>
+          </a:fillRef>
+          <a:effectRef idx="0">
+            <a:schemeClr val="accent1"/>
+          </a:effectRef>
+          <a:fontRef idx="minor">
+            <a:schemeClr val="tx1"/>
+          </a:fontRef>
+        </p:style>
+      </p:cxnSp>
+      <p:cxnSp>
+        <p:nvCxnSpPr>
+          <p:cNvPr id="15" name="직선 연결선 14">
+            <a:extLst>
+              <a:ext uri="{FF2B5EF4-FFF2-40B4-BE49-F238E27FC236}">
+                <a16:creationId xmlns:a16="http://schemas.microsoft.com/office/drawing/2014/main" id="{1B9A80A0-A9F1-407A-89BF-35FB96049F32}"/>
+              </a:ext>
+            </a:extLst>
+          </p:cNvPr>
+          <p:cNvCxnSpPr/>
+          <p:nvPr/>
+        </p:nvCxnSpPr>
+        <p:spPr>
+          <a:xfrm>
+            <a:off x="5417974" y="4575544"/>
+            <a:ext cx="1069608" cy="0"/>
+          </a:xfrm>
+          <a:prstGeom prst="line">
+            <a:avLst/>
+          </a:prstGeom>
+          <a:ln w="38100">
+            <a:solidFill>
+              <a:srgbClr val="C00000"/>
+            </a:solidFill>
+          </a:ln>
+        </p:spPr>
+        <p:style>
+          <a:lnRef idx="1">
+            <a:schemeClr val="accent1"/>
+          </a:lnRef>
+          <a:fillRef idx="0">
+            <a:schemeClr val="accent1"/>
+          </a:fillRef>
+          <a:effectRef idx="0">
+            <a:schemeClr val="accent1"/>
+          </a:effectRef>
+          <a:fontRef idx="minor">
+            <a:schemeClr val="tx1"/>
+          </a:fontRef>
+        </p:style>
+      </p:cxnSp>
+      <p:cxnSp>
+        <p:nvCxnSpPr>
+          <p:cNvPr id="16" name="직선 연결선 15">
+            <a:extLst>
+              <a:ext uri="{FF2B5EF4-FFF2-40B4-BE49-F238E27FC236}">
+                <a16:creationId xmlns:a16="http://schemas.microsoft.com/office/drawing/2014/main" id="{AEF9B08F-5CDC-4DF1-A428-896F6A9422F5}"/>
+              </a:ext>
+            </a:extLst>
+          </p:cNvPr>
+          <p:cNvCxnSpPr/>
+          <p:nvPr/>
+        </p:nvCxnSpPr>
+        <p:spPr>
+          <a:xfrm>
+            <a:off x="5952778" y="5989674"/>
+            <a:ext cx="1069608" cy="0"/>
+          </a:xfrm>
+          <a:prstGeom prst="line">
+            <a:avLst/>
+          </a:prstGeom>
+          <a:ln w="38100">
+            <a:solidFill>
+              <a:srgbClr val="C00000"/>
+            </a:solidFill>
+          </a:ln>
+        </p:spPr>
+        <p:style>
+          <a:lnRef idx="1">
+            <a:schemeClr val="accent1"/>
+          </a:lnRef>
+          <a:fillRef idx="0">
+            <a:schemeClr val="accent1"/>
+          </a:fillRef>
+          <a:effectRef idx="0">
+            <a:schemeClr val="accent1"/>
+          </a:effectRef>
+          <a:fontRef idx="minor">
+            <a:schemeClr val="tx1"/>
+          </a:fontRef>
+        </p:style>
+      </p:cxnSp>
+      <p:cxnSp>
+        <p:nvCxnSpPr>
+          <p:cNvPr id="17" name="직선 연결선 16">
+            <a:extLst>
+              <a:ext uri="{FF2B5EF4-FFF2-40B4-BE49-F238E27FC236}">
+                <a16:creationId xmlns:a16="http://schemas.microsoft.com/office/drawing/2014/main" id="{80D0E0D5-D6D7-480D-9871-88D3242E07F1}"/>
+              </a:ext>
+            </a:extLst>
+          </p:cNvPr>
+          <p:cNvCxnSpPr/>
+          <p:nvPr/>
+        </p:nvCxnSpPr>
+        <p:spPr>
+          <a:xfrm>
+            <a:off x="9598393" y="6127898"/>
+            <a:ext cx="1069608" cy="0"/>
+          </a:xfrm>
+          <a:prstGeom prst="line">
+            <a:avLst/>
+          </a:prstGeom>
+          <a:ln w="38100">
+            <a:solidFill>
+              <a:srgbClr val="C00000"/>
+            </a:solidFill>
+          </a:ln>
+        </p:spPr>
+        <p:style>
+          <a:lnRef idx="1">
+            <a:schemeClr val="accent1"/>
+          </a:lnRef>
+          <a:fillRef idx="0">
+            <a:schemeClr val="accent1"/>
+          </a:fillRef>
+          <a:effectRef idx="0">
+            <a:schemeClr val="accent1"/>
+          </a:effectRef>
+          <a:fontRef idx="minor">
+            <a:schemeClr val="tx1"/>
+          </a:fontRef>
+        </p:style>
+      </p:cxnSp>
+      <p:cxnSp>
+        <p:nvCxnSpPr>
+          <p:cNvPr id="18" name="직선 연결선 17">
+            <a:extLst>
+              <a:ext uri="{FF2B5EF4-FFF2-40B4-BE49-F238E27FC236}">
+                <a16:creationId xmlns:a16="http://schemas.microsoft.com/office/drawing/2014/main" id="{D862BB57-A803-4362-A1EB-2ABD551D7B01}"/>
+              </a:ext>
+            </a:extLst>
+          </p:cNvPr>
+          <p:cNvCxnSpPr/>
+          <p:nvPr/>
+        </p:nvCxnSpPr>
+        <p:spPr>
+          <a:xfrm>
+            <a:off x="8141732" y="4820093"/>
+            <a:ext cx="1069608" cy="0"/>
+          </a:xfrm>
+          <a:prstGeom prst="line">
+            <a:avLst/>
+          </a:prstGeom>
+          <a:ln w="38100">
+            <a:solidFill>
+              <a:srgbClr val="C00000"/>
+            </a:solidFill>
+          </a:ln>
+        </p:spPr>
+        <p:style>
+          <a:lnRef idx="1">
+            <a:schemeClr val="accent1"/>
+          </a:lnRef>
+          <a:fillRef idx="0">
+            <a:schemeClr val="accent1"/>
+          </a:fillRef>
+          <a:effectRef idx="0">
+            <a:schemeClr val="accent1"/>
+          </a:effectRef>
+          <a:fontRef idx="minor">
+            <a:schemeClr val="tx1"/>
+          </a:fontRef>
+        </p:style>
+      </p:cxnSp>
+    </p:spTree>
+    <p:extLst>
+      <p:ext uri="{BB962C8B-B14F-4D97-AF65-F5344CB8AC3E}">
+        <p14:creationId xmlns:p14="http://schemas.microsoft.com/office/powerpoint/2010/main" val="2795370206"/>
+      </p:ext>
+    </p:extLst>
+  </p:cSld>
+  <p:clrMapOvr>
+    <a:masterClrMapping/>
+  </p:clrMapOvr>
+</p:sld>
+</file>
+
+<file path=ppt/slides/slide9.xml><?xml version="1.0" encoding="utf-8"?>
+<p:sld xmlns:a="http://schemas.openxmlformats.org/drawingml/2006/main" xmlns:r="http://schemas.openxmlformats.org/officeDocument/2006/relationships" xmlns:p="http://schemas.openxmlformats.org/presentationml/2006/main">
+  <p:cSld>
+    <p:spTree>
+      <p:nvGrpSpPr>
+        <p:cNvPr id="1" name=""/>
+        <p:cNvGrpSpPr/>
+        <p:nvPr/>
+      </p:nvGrpSpPr>
+      <p:grpSpPr>
+        <a:xfrm>
+          <a:off x="0" y="0"/>
+          <a:ext cx="0" cy="0"/>
+          <a:chOff x="0" y="0"/>
+          <a:chExt cx="0" cy="0"/>
+        </a:xfrm>
+      </p:grpSpPr>
+      <p:sp>
+        <p:nvSpPr>
+          <p:cNvPr id="2" name="제목 1" hidden="1"/>
+          <p:cNvSpPr>
+            <a:spLocks noGrp="1"/>
+          </p:cNvSpPr>
+          <p:nvPr>
+            <p:ph type="title"/>
+          </p:nvPr>
+        </p:nvSpPr>
+        <p:spPr/>
+        <p:txBody>
+          <a:bodyPr/>
+          <a:lstStyle/>
+          <a:p>
+            <a:r>
+              <a:rPr lang="en-US" altLang="ko-KR" dirty="0"/>
+              <a:t>5</a:t>
+            </a:r>
+            <a:endParaRPr lang="ko-KR" altLang="en-US" dirty="0"/>
+          </a:p>
+        </p:txBody>
+      </p:sp>
+      <p:cxnSp>
+        <p:nvCxnSpPr>
+          <p:cNvPr id="5" name="직선 연결선 4"/>
+          <p:cNvCxnSpPr/>
+          <p:nvPr/>
+        </p:nvCxnSpPr>
+        <p:spPr>
+          <a:xfrm>
+            <a:off x="463854" y="555894"/>
+            <a:ext cx="560439" cy="0"/>
+          </a:xfrm>
+          <a:prstGeom prst="line">
+            <a:avLst/>
+          </a:prstGeom>
+          <a:ln>
+            <a:solidFill>
+              <a:schemeClr val="bg1"/>
+            </a:solidFill>
+          </a:ln>
+        </p:spPr>
+        <p:style>
+          <a:lnRef idx="1">
+            <a:schemeClr val="accent1"/>
+          </a:lnRef>
+          <a:fillRef idx="0">
+            <a:schemeClr val="accent1"/>
+          </a:fillRef>
+          <a:effectRef idx="0">
+            <a:schemeClr val="accent1"/>
+          </a:effectRef>
+          <a:fontRef idx="minor">
+            <a:schemeClr val="tx1"/>
+          </a:fontRef>
+        </p:style>
+      </p:cxnSp>
+      <p:cxnSp>
+        <p:nvCxnSpPr>
+          <p:cNvPr id="6" name="직선 연결선 5"/>
+          <p:cNvCxnSpPr/>
+          <p:nvPr/>
+        </p:nvCxnSpPr>
+        <p:spPr>
+          <a:xfrm>
+            <a:off x="486696" y="2257425"/>
+            <a:ext cx="560439" cy="0"/>
+          </a:xfrm>
+          <a:prstGeom prst="line">
+            <a:avLst/>
+          </a:prstGeom>
+          <a:ln>
+            <a:solidFill>
+              <a:schemeClr val="bg1"/>
+            </a:solidFill>
+          </a:ln>
+        </p:spPr>
+        <p:style>
+          <a:lnRef idx="1">
+            <a:schemeClr val="accent1"/>
+          </a:lnRef>
+          <a:fillRef idx="0">
+            <a:schemeClr val="accent1"/>
+          </a:fillRef>
+          <a:effectRef idx="0">
+            <a:schemeClr val="accent1"/>
+          </a:effectRef>
+          <a:fontRef idx="minor">
+            <a:schemeClr val="tx1"/>
+          </a:fontRef>
+        </p:style>
+      </p:cxnSp>
+      <p:sp>
+        <p:nvSpPr>
+          <p:cNvPr id="7" name="TextBox 6"/>
+          <p:cNvSpPr txBox="1"/>
+          <p:nvPr/>
+        </p:nvSpPr>
+        <p:spPr>
+          <a:xfrm>
+            <a:off x="353419" y="796300"/>
+            <a:ext cx="1557774" cy="1461125"/>
+          </a:xfrm>
+          <a:prstGeom prst="rect">
+            <a:avLst/>
+          </a:prstGeom>
+        </p:spPr>
+        <p:txBody>
+          <a:bodyPr vert="horz" lIns="91440" tIns="45720" rIns="91440" bIns="45720" rtlCol="0">
+            <a:noAutofit/>
+          </a:bodyPr>
+          <a:lstStyle>
+            <a:defPPr>
+              <a:defRPr lang="ko-KR"/>
+            </a:defPPr>
+            <a:lvl1pPr indent="0">
+              <a:lnSpc>
+                <a:spcPct val="100000"/>
+              </a:lnSpc>
+              <a:spcBef>
+                <a:spcPts val="1000"/>
+              </a:spcBef>
+              <a:buFont typeface="Arial" panose="020B0604020202020204" pitchFamily="34" charset="0"/>
+              <a:buNone/>
+              <a:defRPr sz="1100">
+                <a:ln>
+                  <a:solidFill>
+                    <a:schemeClr val="accent1">
+                      <a:alpha val="0"/>
+                    </a:schemeClr>
+                  </a:solidFill>
+                </a:ln>
+                <a:solidFill>
+                  <a:schemeClr val="bg1"/>
+                </a:solidFill>
+                <a:latin typeface="-윤고딕330" panose="02030504000101010101" pitchFamily="18" charset="-127"/>
+                <a:ea typeface="-윤고딕330" panose="02030504000101010101" pitchFamily="18" charset="-127"/>
+              </a:defRPr>
+            </a:lvl1pPr>
+            <a:lvl2pPr marL="685800" indent="-228600">
+              <a:lnSpc>
+                <a:spcPct val="90000"/>
+              </a:lnSpc>
+              <a:spcBef>
+                <a:spcPts val="500"/>
+              </a:spcBef>
+              <a:buFont typeface="Arial" panose="020B0604020202020204" pitchFamily="34" charset="0"/>
+              <a:buChar char="•"/>
+              <a:defRPr sz="2400"/>
+            </a:lvl2pPr>
+            <a:lvl3pPr marL="1143000" indent="-228600">
+              <a:lnSpc>
+                <a:spcPct val="90000"/>
+              </a:lnSpc>
+              <a:spcBef>
+                <a:spcPts val="500"/>
+              </a:spcBef>
+              <a:buFont typeface="Arial" panose="020B0604020202020204" pitchFamily="34" charset="0"/>
+              <a:buChar char="•"/>
+              <a:defRPr sz="2000"/>
+            </a:lvl3pPr>
+            <a:lvl4pPr marL="1600200" indent="-228600">
+              <a:lnSpc>
+                <a:spcPct val="90000"/>
+              </a:lnSpc>
+              <a:spcBef>
+                <a:spcPts val="500"/>
+              </a:spcBef>
+              <a:buFont typeface="Arial" panose="020B0604020202020204" pitchFamily="34" charset="0"/>
+              <a:buChar char="•"/>
+            </a:lvl4pPr>
+            <a:lvl5pPr marL="2057400" indent="-228600">
+              <a:lnSpc>
+                <a:spcPct val="90000"/>
+              </a:lnSpc>
+              <a:spcBef>
+                <a:spcPts val="500"/>
+              </a:spcBef>
+              <a:buFont typeface="Arial" panose="020B0604020202020204" pitchFamily="34" charset="0"/>
+              <a:buChar char="•"/>
+            </a:lvl5pPr>
+            <a:lvl6pPr marL="2514600" indent="-228600">
+              <a:lnSpc>
+                <a:spcPct val="90000"/>
+              </a:lnSpc>
+              <a:spcBef>
+                <a:spcPts val="500"/>
+              </a:spcBef>
+              <a:buFont typeface="Arial" panose="020B0604020202020204" pitchFamily="34" charset="0"/>
+              <a:buChar char="•"/>
+            </a:lvl6pPr>
+            <a:lvl7pPr marL="2971800" indent="-228600">
+              <a:lnSpc>
+                <a:spcPct val="90000"/>
+              </a:lnSpc>
+              <a:spcBef>
+                <a:spcPts val="500"/>
+              </a:spcBef>
+              <a:buFont typeface="Arial" panose="020B0604020202020204" pitchFamily="34" charset="0"/>
+              <a:buChar char="•"/>
+            </a:lvl7pPr>
+            <a:lvl8pPr marL="3429000" indent="-228600">
+              <a:lnSpc>
+                <a:spcPct val="90000"/>
+              </a:lnSpc>
+              <a:spcBef>
+                <a:spcPts val="500"/>
+              </a:spcBef>
+              <a:buFont typeface="Arial" panose="020B0604020202020204" pitchFamily="34" charset="0"/>
+              <a:buChar char="•"/>
+            </a:lvl8pPr>
+            <a:lvl9pPr marL="3886200" indent="-228600">
+              <a:lnSpc>
+                <a:spcPct val="90000"/>
+              </a:lnSpc>
+              <a:spcBef>
+                <a:spcPts val="500"/>
+              </a:spcBef>
+              <a:buFont typeface="Arial" panose="020B0604020202020204" pitchFamily="34" charset="0"/>
+              <a:buChar char="•"/>
+            </a:lvl9pPr>
+          </a:lstStyle>
+          <a:p>
+            <a:r>
+              <a:rPr lang="en-US" altLang="ko-KR" sz="2400" dirty="0">
+                <a:latin typeface="Noto Sans CJK KR Medium" panose="020B0600000000000000" pitchFamily="34" charset="-127"/>
+                <a:ea typeface="Noto Sans CJK KR Medium" panose="020B0600000000000000" pitchFamily="34" charset="-127"/>
+              </a:rPr>
+              <a:t>03.</a:t>
+            </a:r>
+          </a:p>
+          <a:p>
+            <a:r>
+              <a:rPr lang="ko-KR" altLang="en-US" sz="2400" dirty="0">
+                <a:latin typeface="Noto Sans CJK KR Medium" panose="020B0600000000000000" pitchFamily="34" charset="-127"/>
+                <a:ea typeface="Noto Sans CJK KR Medium" panose="020B0600000000000000" pitchFamily="34" charset="-127"/>
+              </a:rPr>
+              <a:t>프론트 변경</a:t>
+            </a:r>
+          </a:p>
+        </p:txBody>
+      </p:sp>
+      <p:sp>
+        <p:nvSpPr>
+          <p:cNvPr id="8" name="TextBox 7"/>
+          <p:cNvSpPr txBox="1"/>
+          <p:nvPr/>
+        </p:nvSpPr>
+        <p:spPr>
+          <a:xfrm>
+            <a:off x="2752863" y="792222"/>
+            <a:ext cx="3199915" cy="369332"/>
+          </a:xfrm>
+          <a:prstGeom prst="rect">
+            <a:avLst/>
+          </a:prstGeom>
+        </p:spPr>
+        <p:txBody>
+          <a:bodyPr wrap="none">
+            <a:spAutoFit/>
+          </a:bodyPr>
+          <a:lstStyle>
+            <a:defPPr>
+              <a:defRPr lang="ko-KR"/>
+            </a:defPPr>
+            <a:lvl1pPr>
+              <a:spcBef>
+                <a:spcPts val="1000"/>
+              </a:spcBef>
+              <a:defRPr sz="2000">
+                <a:ln>
+                  <a:solidFill>
+                    <a:schemeClr val="accent1">
+                      <a:alpha val="0"/>
+                    </a:schemeClr>
+                  </a:solidFill>
+                </a:ln>
+                <a:solidFill>
+                  <a:schemeClr val="bg1"/>
+                </a:solidFill>
+                <a:latin typeface="Noto Sans CJK KR Medium" panose="020B0600000000000000" pitchFamily="34" charset="-127"/>
+                <a:ea typeface="Noto Sans CJK KR Medium" panose="020B0600000000000000" pitchFamily="34" charset="-127"/>
+              </a:defRPr>
+            </a:lvl1pPr>
+          </a:lstStyle>
+          <a:p>
+            <a:r>
+              <a:rPr lang="ko-KR" altLang="en-US" sz="1800" dirty="0">
+                <a:solidFill>
+                  <a:schemeClr val="bg1">
+                    <a:lumMod val="75000"/>
+                  </a:schemeClr>
+                </a:solidFill>
+              </a:rPr>
+              <a:t>처음부터 잘못된 계획과 설계</a:t>
+            </a:r>
+          </a:p>
+        </p:txBody>
+      </p:sp>
+      <p:sp>
+        <p:nvSpPr>
+          <p:cNvPr id="9" name="직사각형 8"/>
+          <p:cNvSpPr/>
+          <p:nvPr/>
+        </p:nvSpPr>
+        <p:spPr>
+          <a:xfrm>
+            <a:off x="2752167" y="1089843"/>
+            <a:ext cx="1717137" cy="461665"/>
+          </a:xfrm>
+          <a:prstGeom prst="rect">
+            <a:avLst/>
+          </a:prstGeom>
+        </p:spPr>
+        <p:txBody>
+          <a:bodyPr wrap="none">
+            <a:spAutoFit/>
+          </a:bodyPr>
+          <a:lstStyle/>
+          <a:p>
+            <a:pPr>
+              <a:spcBef>
+                <a:spcPts val="1000"/>
+              </a:spcBef>
+            </a:pPr>
+            <a:r>
+              <a:rPr lang="ko-KR" altLang="en-US" sz="2400" spc="-150" dirty="0">
                 <a:ln>
                   <a:solidFill>
                     <a:schemeClr val="accent1">
@@ -6196,84 +8114,6 @@
             </p:seq>
           </p:childTnLst>
         </p:cTn>
-      </p:par>
-    </p:tnLst>
-  </p:timing>
-</p:sld>
-</file>
-
-<file path=ppt/slides/slide8.xml><?xml version="1.0" encoding="utf-8"?>
-<p:sld xmlns:a="http://schemas.openxmlformats.org/drawingml/2006/main" xmlns:r="http://schemas.openxmlformats.org/officeDocument/2006/relationships" xmlns:p="http://schemas.openxmlformats.org/presentationml/2006/main">
-  <p:cSld>
-    <p:spTree>
-      <p:nvGrpSpPr>
-        <p:cNvPr id="1" name=""/>
-        <p:cNvGrpSpPr/>
-        <p:nvPr/>
-      </p:nvGrpSpPr>
-      <p:grpSpPr>
-        <a:xfrm>
-          <a:off x="0" y="0"/>
-          <a:ext cx="0" cy="0"/>
-          <a:chOff x="0" y="0"/>
-          <a:chExt cx="0" cy="0"/>
-        </a:xfrm>
-      </p:grpSpPr>
-      <p:sp>
-        <p:nvSpPr>
-          <p:cNvPr id="2" name="제목 1" hidden="1"/>
-          <p:cNvSpPr>
-            <a:spLocks noGrp="1"/>
-          </p:cNvSpPr>
-          <p:nvPr>
-            <p:ph type="title"/>
-          </p:nvPr>
-        </p:nvSpPr>
-        <p:spPr/>
-        <p:txBody>
-          <a:bodyPr/>
-          <a:lstStyle/>
-          <a:p>
-            <a:endParaRPr lang="ko-KR" altLang="en-US"/>
-          </a:p>
-        </p:txBody>
-      </p:sp>
-      <p:pic>
-        <p:nvPicPr>
-          <p:cNvPr id="3" name="그림 2"/>
-          <p:cNvPicPr/>
-          <p:nvPr/>
-        </p:nvPicPr>
-        <p:blipFill>
-          <a:blip r:embed="rId2"/>
-          <a:stretch>
-            <a:fillRect/>
-          </a:stretch>
-        </p:blipFill>
-        <p:spPr>
-          <a:xfrm>
-            <a:off x="0" y="0"/>
-            <a:ext cx="12192000" cy="6858000"/>
-          </a:xfrm>
-          <a:prstGeom prst="rect">
-            <a:avLst/>
-          </a:prstGeom>
-        </p:spPr>
-      </p:pic>
-    </p:spTree>
-    <p:extLst>
-      <p:ext uri="{BB962C8B-B14F-4D97-AF65-F5344CB8AC3E}">
-        <p14:creationId xmlns:p14="http://schemas.microsoft.com/office/powerpoint/2010/main" val="315249219"/>
-      </p:ext>
-    </p:extLst>
-  </p:cSld>
-  <p:clrMapOvr>
-    <a:masterClrMapping/>
-  </p:clrMapOvr>
-  <p:timing>
-    <p:tnLst>
-      <p:par>
-        <p:cTn id="1" dur="indefinite" restart="never" nodeType="tmRoot"/>
       </p:par>
     </p:tnLst>
   </p:timing>

--- a/Presentation/2uzuBook_0926.pptx
+++ b/Presentation/2uzuBook_0926.pptx
@@ -3948,6 +3948,58 @@
           </a:prstGeom>
         </p:spPr>
       </p:pic>
+      <p:sp>
+        <p:nvSpPr>
+          <p:cNvPr id="3" name="직사각형 2">
+            <a:extLst>
+              <a:ext uri="{FF2B5EF4-FFF2-40B4-BE49-F238E27FC236}">
+                <a16:creationId xmlns:a16="http://schemas.microsoft.com/office/drawing/2014/main" id="{3B935628-6C23-4A47-B528-E17A3A02148D}"/>
+              </a:ext>
+            </a:extLst>
+          </p:cNvPr>
+          <p:cNvSpPr/>
+          <p:nvPr/>
+        </p:nvSpPr>
+        <p:spPr>
+          <a:xfrm>
+            <a:off x="5316280" y="1658680"/>
+            <a:ext cx="754912" cy="258136"/>
+          </a:xfrm>
+          <a:prstGeom prst="rect">
+            <a:avLst/>
+          </a:prstGeom>
+          <a:solidFill>
+            <a:schemeClr val="bg1"/>
+          </a:solidFill>
+          <a:ln>
+            <a:noFill/>
+          </a:ln>
+        </p:spPr>
+        <p:style>
+          <a:lnRef idx="2">
+            <a:schemeClr val="accent1">
+              <a:shade val="50000"/>
+            </a:schemeClr>
+          </a:lnRef>
+          <a:fillRef idx="1">
+            <a:schemeClr val="accent1"/>
+          </a:fillRef>
+          <a:effectRef idx="0">
+            <a:schemeClr val="accent1"/>
+          </a:effectRef>
+          <a:fontRef idx="minor">
+            <a:schemeClr val="lt1"/>
+          </a:fontRef>
+        </p:style>
+        <p:txBody>
+          <a:bodyPr rtlCol="0" anchor="ctr"/>
+          <a:lstStyle/>
+          <a:p>
+            <a:pPr algn="ctr"/>
+            <a:endParaRPr lang="ko-KR" altLang="en-US"/>
+          </a:p>
+        </p:txBody>
+      </p:sp>
     </p:spTree>
     <p:extLst>
       <p:ext uri="{BB962C8B-B14F-4D97-AF65-F5344CB8AC3E}">
